--- a/docs/Presentation/ProjectKosmatko.pptx
+++ b/docs/Presentation/ProjectKosmatko.pptx
@@ -111,6 +111,11 @@
       </a:defRPr>
     </a:lvl9pPr>
   </p:defaultTextStyle>
+  <p:extLst>
+    <p:ext uri="{EFAFB233-063F-42B5-8137-9DF3F51BA10A}">
+      <p15:sldGuideLst xmlns:p15="http://schemas.microsoft.com/office/powerpoint/2012/main"/>
+    </p:ext>
+  </p:extLst>
 </p:presentation>
 </file>
 
@@ -3189,8 +3194,14 @@
               <a:buNone/>
             </a:pPr>
             <a:r>
+              <a:rPr lang="bg-BG" b="1" dirty="0">
+                <a:hlinkClick r:id="rId2"/>
+              </a:rPr>
+              <a:t>Управляема кола </a:t>
+            </a:r>
+            <a:r>
               <a:rPr lang="bg-BG" b="1" dirty="0"/>
-              <a:t>Управляема кола с </a:t>
+              <a:t>с </a:t>
             </a:r>
             <a:r>
               <a:rPr lang="bg-BG" b="1" dirty="0" smtClean="0"/>
@@ -4012,28 +4023,47 @@
                 <a:latin typeface="Arial" panose="020B0604020202020204" pitchFamily="34" charset="0"/>
                 <a:cs typeface="Arial" panose="020B0604020202020204" pitchFamily="34" charset="0"/>
               </a:rPr>
-              <a:t>17. </a:t>
+              <a:t>17. Купуване на „правилни“ батерии – уви не с всички </a:t>
+            </a:r>
+            <a:r>
+              <a:rPr lang="en-US" sz="1400" dirty="0" smtClean="0">
+                <a:latin typeface="Arial" panose="020B0604020202020204" pitchFamily="34" charset="0"/>
+                <a:cs typeface="Arial" panose="020B0604020202020204" pitchFamily="34" charset="0"/>
+              </a:rPr>
+              <a:t>9V </a:t>
             </a:r>
             <a:r>
               <a:rPr lang="bg-BG" sz="1400" dirty="0" smtClean="0">
                 <a:latin typeface="Arial" panose="020B0604020202020204" pitchFamily="34" charset="0"/>
                 <a:cs typeface="Arial" panose="020B0604020202020204" pitchFamily="34" charset="0"/>
               </a:rPr>
-              <a:t>Купуване на „правилни“ батерии – уви не с всички </a:t>
+              <a:t>батерии задвижването става успешно. Намиране на подходящи видео-уроци относно това как да преценим заряда, който ни е нужен</a:t>
+            </a:r>
+          </a:p>
+          <a:p>
+            <a:pPr marL="0" indent="0">
+              <a:buNone/>
+            </a:pPr>
+            <a:r>
+              <a:rPr lang="bg-BG" sz="1400" dirty="0" smtClean="0">
+                <a:latin typeface="Arial" panose="020B0604020202020204" pitchFamily="34" charset="0"/>
+                <a:cs typeface="Arial" panose="020B0604020202020204" pitchFamily="34" charset="0"/>
+              </a:rPr>
+              <a:t>18. Имплементиране на </a:t>
             </a:r>
             <a:r>
               <a:rPr lang="en-US" sz="1400" dirty="0" smtClean="0">
                 <a:latin typeface="Arial" panose="020B0604020202020204" pitchFamily="34" charset="0"/>
                 <a:cs typeface="Arial" panose="020B0604020202020204" pitchFamily="34" charset="0"/>
               </a:rPr>
-              <a:t>9V </a:t>
+              <a:t>trigger – echo </a:t>
             </a:r>
             <a:r>
               <a:rPr lang="bg-BG" sz="1400" dirty="0" smtClean="0">
                 <a:latin typeface="Arial" panose="020B0604020202020204" pitchFamily="34" charset="0"/>
                 <a:cs typeface="Arial" panose="020B0604020202020204" pitchFamily="34" charset="0"/>
               </a:rPr>
-              <a:t>батерии задвижването става успешно. Намиране на подходящи видео-уроци относно това как да преценим заряда, който ни е нужен</a:t>
+              <a:t>функционалността и параметризиране на изходните резултати</a:t>
             </a:r>
           </a:p>
           <a:p>
@@ -4045,21 +4075,40 @@
                 <a:latin typeface="Arial" panose="020B0604020202020204" pitchFamily="34" charset="0"/>
                 <a:cs typeface="Arial" panose="020B0604020202020204" pitchFamily="34" charset="0"/>
               </a:rPr>
-              <a:t>18. Имплементиране на </a:t>
+              <a:t>19. Имплементиране на детектор на колизии – състояния – тест, ок, препядствие, аларма</a:t>
+            </a:r>
+          </a:p>
+          <a:p>
+            <a:pPr marL="0" indent="0">
+              <a:buNone/>
+            </a:pPr>
+            <a:r>
+              <a:rPr lang="bg-BG" sz="1400" dirty="0" smtClean="0">
+                <a:latin typeface="Arial" panose="020B0604020202020204" pitchFamily="34" charset="0"/>
+                <a:cs typeface="Arial" panose="020B0604020202020204" pitchFamily="34" charset="0"/>
+              </a:rPr>
+              <a:t>20. Проучване относно комуникация на </a:t>
             </a:r>
             <a:r>
               <a:rPr lang="en-US" sz="1400" dirty="0" smtClean="0">
                 <a:latin typeface="Arial" panose="020B0604020202020204" pitchFamily="34" charset="0"/>
                 <a:cs typeface="Arial" panose="020B0604020202020204" pitchFamily="34" charset="0"/>
               </a:rPr>
-              <a:t>trigger – echo </a:t>
+              <a:t>LCD </a:t>
             </a:r>
             <a:r>
               <a:rPr lang="bg-BG" sz="1400" dirty="0" smtClean="0">
                 <a:latin typeface="Arial" panose="020B0604020202020204" pitchFamily="34" charset="0"/>
                 <a:cs typeface="Arial" panose="020B0604020202020204" pitchFamily="34" charset="0"/>
               </a:rPr>
-              <a:t>функционалността и параметризиране на изходните резултати</a:t>
+              <a:t>използвайки </a:t>
+            </a:r>
+            <a:r>
+              <a:rPr lang="en-US" sz="1400" dirty="0" smtClean="0">
+                <a:latin typeface="Arial" panose="020B0604020202020204" pitchFamily="34" charset="0"/>
+                <a:cs typeface="Arial" panose="020B0604020202020204" pitchFamily="34" charset="0"/>
+              </a:rPr>
+              <a:t>I2C</a:t>
             </a:r>
           </a:p>
           <a:p>
@@ -4067,11 +4116,18 @@
               <a:buNone/>
             </a:pPr>
             <a:r>
+              <a:rPr lang="en-US" sz="1400" dirty="0" smtClean="0">
+                <a:latin typeface="Arial" panose="020B0604020202020204" pitchFamily="34" charset="0"/>
+                <a:cs typeface="Arial" panose="020B0604020202020204" pitchFamily="34" charset="0"/>
+              </a:rPr>
+              <a:t>21. </a:t>
+            </a:r>
+            <a:r>
               <a:rPr lang="bg-BG" sz="1400" dirty="0" smtClean="0">
                 <a:latin typeface="Arial" panose="020B0604020202020204" pitchFamily="34" charset="0"/>
                 <a:cs typeface="Arial" panose="020B0604020202020204" pitchFamily="34" charset="0"/>
               </a:rPr>
-              <a:t>19. Имплементиране на детектор на колизии – състояния – тест, ок, препядствие, аларма</a:t>
+              <a:t>Дизайн на изхода на екрана – какъв тип информация да покажем на потребителя и как да я разположим</a:t>
             </a:r>
           </a:p>
           <a:p>
@@ -4083,106 +4139,50 @@
                 <a:latin typeface="Arial" panose="020B0604020202020204" pitchFamily="34" charset="0"/>
                 <a:cs typeface="Arial" panose="020B0604020202020204" pitchFamily="34" charset="0"/>
               </a:rPr>
-              <a:t>20. Проучване относно комуникация на </a:t>
+              <a:t>22. Тест и калибрация – подходящи стойности за </a:t>
             </a:r>
             <a:r>
               <a:rPr lang="en-US" sz="1400" dirty="0" smtClean="0">
                 <a:latin typeface="Arial" panose="020B0604020202020204" pitchFamily="34" charset="0"/>
                 <a:cs typeface="Arial" panose="020B0604020202020204" pitchFamily="34" charset="0"/>
               </a:rPr>
-              <a:t>LCD </a:t>
+              <a:t>: </a:t>
+            </a:r>
+            <a:r>
+              <a:rPr lang="en-US" sz="1400" dirty="0" err="1" smtClean="0">
+                <a:latin typeface="Arial" panose="020B0604020202020204" pitchFamily="34" charset="0"/>
+                <a:cs typeface="Arial" panose="020B0604020202020204" pitchFamily="34" charset="0"/>
+              </a:rPr>
+              <a:t>pwm</a:t>
+            </a:r>
+            <a:r>
+              <a:rPr lang="en-US" sz="1400" dirty="0" smtClean="0">
+                <a:latin typeface="Arial" panose="020B0604020202020204" pitchFamily="34" charset="0"/>
+                <a:cs typeface="Arial" panose="020B0604020202020204" pitchFamily="34" charset="0"/>
+              </a:rPr>
+              <a:t> </a:t>
             </a:r>
             <a:r>
               <a:rPr lang="bg-BG" sz="1400" dirty="0" smtClean="0">
                 <a:latin typeface="Arial" panose="020B0604020202020204" pitchFamily="34" charset="0"/>
                 <a:cs typeface="Arial" panose="020B0604020202020204" pitchFamily="34" charset="0"/>
               </a:rPr>
-              <a:t>използвайки </a:t>
+              <a:t>при различните скорости, подходящи изчаквания и закъснения при </a:t>
             </a:r>
             <a:r>
               <a:rPr lang="en-US" sz="1400" dirty="0" smtClean="0">
                 <a:latin typeface="Arial" panose="020B0604020202020204" pitchFamily="34" charset="0"/>
                 <a:cs typeface="Arial" panose="020B0604020202020204" pitchFamily="34" charset="0"/>
               </a:rPr>
-              <a:t>I2C</a:t>
-            </a:r>
-          </a:p>
-          <a:p>
-            <a:pPr marL="0" indent="0">
-              <a:buNone/>
-            </a:pPr>
-            <a:r>
-              <a:rPr lang="en-US" sz="1400" dirty="0" smtClean="0">
-                <a:latin typeface="Arial" panose="020B0604020202020204" pitchFamily="34" charset="0"/>
-                <a:cs typeface="Arial" panose="020B0604020202020204" pitchFamily="34" charset="0"/>
-              </a:rPr>
-              <a:t>21. </a:t>
+              <a:t>i2c </a:t>
             </a:r>
             <a:r>
               <a:rPr lang="bg-BG" sz="1400" dirty="0" smtClean="0">
                 <a:latin typeface="Arial" panose="020B0604020202020204" pitchFamily="34" charset="0"/>
                 <a:cs typeface="Arial" panose="020B0604020202020204" pitchFamily="34" charset="0"/>
               </a:rPr>
-              <a:t>Дизайн на изхода на екрана – какъв тип информация да покажем на потребителя и как да я разположим</a:t>
-            </a:r>
-          </a:p>
-          <a:p>
-            <a:pPr marL="0" indent="0">
-              <a:buNone/>
-            </a:pPr>
-            <a:r>
-              <a:rPr lang="bg-BG" sz="1400" dirty="0" smtClean="0">
-                <a:latin typeface="Arial" panose="020B0604020202020204" pitchFamily="34" charset="0"/>
-                <a:cs typeface="Arial" panose="020B0604020202020204" pitchFamily="34" charset="0"/>
-              </a:rPr>
-              <a:t>22. Тест и калибрация – подходящи стойности за </a:t>
-            </a:r>
-            <a:r>
-              <a:rPr lang="en-US" sz="1400" dirty="0" smtClean="0">
-                <a:latin typeface="Arial" panose="020B0604020202020204" pitchFamily="34" charset="0"/>
-                <a:cs typeface="Arial" panose="020B0604020202020204" pitchFamily="34" charset="0"/>
-              </a:rPr>
-              <a:t>: </a:t>
-            </a:r>
-            <a:r>
-              <a:rPr lang="en-US" sz="1400" dirty="0" err="1" smtClean="0">
-                <a:latin typeface="Arial" panose="020B0604020202020204" pitchFamily="34" charset="0"/>
-                <a:cs typeface="Arial" panose="020B0604020202020204" pitchFamily="34" charset="0"/>
-              </a:rPr>
-              <a:t>pwm</a:t>
-            </a:r>
-            <a:r>
-              <a:rPr lang="en-US" sz="1400" dirty="0" smtClean="0">
-                <a:latin typeface="Arial" panose="020B0604020202020204" pitchFamily="34" charset="0"/>
-                <a:cs typeface="Arial" panose="020B0604020202020204" pitchFamily="34" charset="0"/>
-              </a:rPr>
-              <a:t> </a:t>
-            </a:r>
-            <a:r>
-              <a:rPr lang="bg-BG" sz="1400" dirty="0" smtClean="0">
-                <a:latin typeface="Arial" panose="020B0604020202020204" pitchFamily="34" charset="0"/>
-                <a:cs typeface="Arial" panose="020B0604020202020204" pitchFamily="34" charset="0"/>
-              </a:rPr>
-              <a:t>при различните скорости, подходящи изчаквания и закъснения при </a:t>
-            </a:r>
-            <a:r>
-              <a:rPr lang="en-US" sz="1400" dirty="0" smtClean="0">
-                <a:latin typeface="Arial" panose="020B0604020202020204" pitchFamily="34" charset="0"/>
-                <a:cs typeface="Arial" panose="020B0604020202020204" pitchFamily="34" charset="0"/>
-              </a:rPr>
-              <a:t>i2c </a:t>
-            </a:r>
-            <a:r>
-              <a:rPr lang="bg-BG" sz="1400" dirty="0" smtClean="0">
-                <a:latin typeface="Arial" panose="020B0604020202020204" pitchFamily="34" charset="0"/>
-                <a:cs typeface="Arial" panose="020B0604020202020204" pitchFamily="34" charset="0"/>
-              </a:rPr>
               <a:t>комуникация, стойности адресирани към сензора за разстояние който да индикират риск, минимални и максимални стойности и реакция при тях</a:t>
             </a:r>
-            <a:endParaRPr lang="bg-BG" sz="1400" dirty="0" smtClean="0">
-              <a:latin typeface="Arial" panose="020B0604020202020204" pitchFamily="34" charset="0"/>
-              <a:cs typeface="Arial" panose="020B0604020202020204" pitchFamily="34" charset="0"/>
-            </a:endParaRPr>
           </a:p>
           <a:p>
             <a:pPr marL="0" indent="0">
@@ -4275,33 +4275,68 @@
           </a:bodyPr>
           <a:lstStyle/>
           <a:p>
+            <a:pPr marL="0" indent="0">
+              <a:buNone/>
+            </a:pPr>
             <a:r>
               <a:rPr lang="bg-BG" dirty="0" smtClean="0"/>
-              <a:t>Да кача тестовете – код и рапорт в базата, където съхранявам кода</a:t>
-            </a:r>
-          </a:p>
-          <a:p>
+              <a:t>1. Да </a:t>
+            </a:r>
             <a:r>
               <a:rPr lang="bg-BG" dirty="0" smtClean="0"/>
-              <a:t>Да използвам инструмент за статичен анализ на кода, който да проверява преди качване в базата</a:t>
-            </a:r>
-          </a:p>
-          <a:p>
+              <a:t>кача тестовете – код и рапорт в базата, където съхранявам кода</a:t>
+            </a:r>
+          </a:p>
+          <a:p>
+            <a:pPr marL="0" indent="0">
+              <a:buNone/>
+            </a:pPr>
             <a:r>
               <a:rPr lang="bg-BG" dirty="0" smtClean="0"/>
-              <a:t>Да използвам система за юнит – тестове с цел намаляване на регресиите и подобряване качеството и по-лесната поддръжка</a:t>
-            </a:r>
-          </a:p>
-          <a:p>
+              <a:t>2. Да </a:t>
+            </a:r>
             <a:r>
               <a:rPr lang="bg-BG" dirty="0" smtClean="0"/>
-              <a:t>Да помисля за още една стъпка в посока на автономното шофиране – може ли да се имплементира блокиране на моторите в случай, че сензора е доловил близък предмет, в който ще се блъснем</a:t>
-            </a:r>
-          </a:p>
-          <a:p>
+              <a:t>използвам инструмент за статичен анализ на кода, който да проверява преди качване в базата</a:t>
+            </a:r>
+          </a:p>
+          <a:p>
+            <a:pPr marL="0" indent="0">
+              <a:buNone/>
+            </a:pPr>
             <a:r>
               <a:rPr lang="bg-BG" dirty="0" smtClean="0"/>
-              <a:t>Да премахна извикванията на </a:t>
+              <a:t>3. Да </a:t>
+            </a:r>
+            <a:r>
+              <a:rPr lang="bg-BG" dirty="0" smtClean="0"/>
+              <a:t>използвам система за юнит – тестове с цел намаляване на регресиите и подобряване качеството и по-лесната поддръжка</a:t>
+            </a:r>
+          </a:p>
+          <a:p>
+            <a:pPr marL="0" indent="0">
+              <a:buNone/>
+            </a:pPr>
+            <a:r>
+              <a:rPr lang="bg-BG" dirty="0" smtClean="0"/>
+              <a:t>4. Да </a:t>
+            </a:r>
+            <a:r>
+              <a:rPr lang="bg-BG" dirty="0" smtClean="0"/>
+              <a:t>помисля за още една стъпка в посока на автономното шофиране – може ли да се имплементира блокиране на моторите в случай, че сензора е доловил близък предмет, в който ще се блъснем</a:t>
+            </a:r>
+          </a:p>
+          <a:p>
+            <a:pPr marL="0" indent="0">
+              <a:buNone/>
+            </a:pPr>
+            <a:r>
+              <a:rPr lang="bg-BG" dirty="0" smtClean="0"/>
+              <a:t>5. Да </a:t>
+            </a:r>
+            <a:r>
+              <a:rPr lang="bg-BG" dirty="0" smtClean="0"/>
+              <a:t>премахна извикванията на </a:t>
             </a:r>
             <a:r>
               <a:rPr lang="en-US" dirty="0" smtClean="0"/>
@@ -4321,9 +4356,16 @@
             </a:r>
           </a:p>
           <a:p>
+            <a:pPr marL="0" indent="0">
+              <a:buNone/>
+            </a:pPr>
             <a:r>
               <a:rPr lang="bg-BG" dirty="0" smtClean="0"/>
-              <a:t>Да запоя кабел удължение на джойстика с цел да не стои потребителя наведен докато управлява количката</a:t>
+              <a:t>6. Да </a:t>
+            </a:r>
+            <a:r>
+              <a:rPr lang="bg-BG" dirty="0" smtClean="0"/>
+              <a:t>запоя кабел удължение на джойстика с цел да не стои потребителя наведен докато управлява количката</a:t>
             </a:r>
             <a:endParaRPr lang="en-US" dirty="0"/>
           </a:p>
@@ -4400,7 +4442,7 @@
         <p:spPr>
           <a:xfrm>
             <a:off x="838200" y="1108364"/>
-            <a:ext cx="10515600" cy="5068599"/>
+            <a:ext cx="10515600" cy="5292436"/>
           </a:xfrm>
         </p:spPr>
         <p:txBody>
@@ -4409,17 +4451,73 @@
           </a:bodyPr>
           <a:lstStyle/>
           <a:p>
+            <a:pPr marL="0" indent="0">
+              <a:buNone/>
+            </a:pPr>
             <a:r>
               <a:rPr lang="bg-BG" dirty="0" smtClean="0"/>
-              <a:t>Да запиша на видео демонстрация на всяка от функционалностите, за да се вижда по-добре от по-голяма аудитория</a:t>
-            </a:r>
-          </a:p>
-          <a:p>
+              <a:t>7. Да </a:t>
+            </a:r>
+            <a:r>
+              <a:rPr lang="bg-BG" dirty="0" smtClean="0"/>
+              <a:t>запиша на видео демонстрация на </a:t>
+            </a:r>
+            <a:r>
+              <a:rPr lang="bg-BG" dirty="0" smtClean="0"/>
+              <a:t>основните функционалности, </a:t>
+            </a:r>
+            <a:r>
+              <a:rPr lang="bg-BG" dirty="0" smtClean="0"/>
+              <a:t>за да се вижда по-добре от по-голяма аудитория</a:t>
+            </a:r>
+          </a:p>
+          <a:p>
+            <a:pPr marL="0" indent="0">
+              <a:buNone/>
+            </a:pPr>
             <a:r>
               <a:rPr lang="bg-BG" smtClean="0"/>
-              <a:t>Да рефакторирам кода, така че да стане по-независим от конкретния хардуер, осигурявайки преносимост</a:t>
-            </a:r>
+              <a:t>8. Да </a:t>
+            </a:r>
+            <a:r>
+              <a:rPr lang="bg-BG" dirty="0" smtClean="0"/>
+              <a:t>рефакторирам кода, така че да стане по-независим от конкретния хардуер, осигурявайки </a:t>
+            </a:r>
+            <a:r>
+              <a:rPr lang="bg-BG" dirty="0" smtClean="0"/>
+              <a:t>преносимост</a:t>
+            </a:r>
+            <a:endParaRPr lang="en-US" dirty="0" smtClean="0"/>
+          </a:p>
+          <a:p>
             <a:endParaRPr lang="en-US" dirty="0"/>
+          </a:p>
+          <a:p>
+            <a:endParaRPr lang="en-US" dirty="0" smtClean="0"/>
+          </a:p>
+          <a:p>
+            <a:endParaRPr lang="en-US" dirty="0"/>
+          </a:p>
+          <a:p>
+            <a:endParaRPr lang="en-US" dirty="0" smtClean="0"/>
+          </a:p>
+          <a:p>
+            <a:pPr marL="0" indent="0">
+              <a:buNone/>
+            </a:pPr>
+            <a:endParaRPr lang="en-US" dirty="0"/>
+          </a:p>
+          <a:p>
+            <a:pPr marL="0" indent="0">
+              <a:buNone/>
+            </a:pPr>
+            <a:r>
+              <a:rPr lang="en-US" sz="1600" dirty="0">
+                <a:hlinkClick r:id="rId2"/>
+              </a:rPr>
+              <a:t>https://github.com/PavelKanazirev/arduino/blob/master/docs/Presentation/ProjectKosmatko.pptx</a:t>
+            </a:r>
+            <a:endParaRPr lang="en-US" sz="1600" dirty="0"/>
           </a:p>
         </p:txBody>
       </p:sp>

--- a/docs/Presentation/ProjectKosmatko.pptx
+++ b/docs/Presentation/ProjectKosmatko.pptx
@@ -6,13 +6,13 @@
   </p:sldMasterIdLst>
   <p:sldIdLst>
     <p:sldId id="256" r:id="rId2"/>
-    <p:sldId id="257" r:id="rId3"/>
-    <p:sldId id="258" r:id="rId4"/>
-    <p:sldId id="259" r:id="rId5"/>
-    <p:sldId id="260" r:id="rId6"/>
-    <p:sldId id="261" r:id="rId7"/>
-    <p:sldId id="262" r:id="rId8"/>
-    <p:sldId id="263" r:id="rId9"/>
+    <p:sldId id="264" r:id="rId3"/>
+    <p:sldId id="257" r:id="rId4"/>
+    <p:sldId id="258" r:id="rId5"/>
+    <p:sldId id="259" r:id="rId6"/>
+    <p:sldId id="260" r:id="rId7"/>
+    <p:sldId id="261" r:id="rId8"/>
+    <p:sldId id="262" r:id="rId9"/>
   </p:sldIdLst>
   <p:sldSz cx="12192000" cy="6858000"/>
   <p:notesSz cx="6858000" cy="9144000"/>
@@ -3052,68 +3052,129 @@
           <a:chExt cx="0" cy="0"/>
         </a:xfrm>
       </p:grpSpPr>
-      <p:sp>
-        <p:nvSpPr>
-          <p:cNvPr id="2" name="Title 1"/>
-          <p:cNvSpPr>
-            <a:spLocks noGrp="1"/>
-          </p:cNvSpPr>
-          <p:nvPr>
-            <p:ph type="title"/>
-          </p:nvPr>
-        </p:nvSpPr>
-        <p:spPr/>
-        <p:txBody>
-          <a:bodyPr/>
-          <a:lstStyle/>
-          <a:p>
-            <a:r>
-              <a:rPr lang="bg-BG" dirty="0" smtClean="0"/>
-              <a:t>Съдържание</a:t>
-            </a:r>
-            <a:endParaRPr lang="en-US" dirty="0"/>
-          </a:p>
-        </p:txBody>
-      </p:sp>
-      <p:sp>
-        <p:nvSpPr>
-          <p:cNvPr id="3" name="Content Placeholder 2"/>
-          <p:cNvSpPr>
-            <a:spLocks noGrp="1"/>
-          </p:cNvSpPr>
+      <p:pic>
+        <p:nvPicPr>
+          <p:cNvPr id="6" name="Content Placeholder 5"/>
+          <p:cNvPicPr>
+            <a:picLocks noGrp="1" noChangeAspect="1"/>
+          </p:cNvPicPr>
           <p:nvPr>
             <p:ph idx="1"/>
           </p:nvPr>
-        </p:nvSpPr>
-        <p:spPr/>
-        <p:txBody>
-          <a:bodyPr/>
-          <a:lstStyle/>
-          <a:p>
-            <a:r>
-              <a:rPr lang="bg-BG" dirty="0" smtClean="0"/>
-              <a:t>Задание</a:t>
-            </a:r>
-          </a:p>
-          <a:p>
-            <a:r>
-              <a:rPr lang="bg-BG" dirty="0" smtClean="0"/>
-              <a:t>По-важни етапи от изпълнението</a:t>
-            </a:r>
-          </a:p>
-          <a:p>
-            <a:r>
-              <a:rPr lang="bg-BG" dirty="0" smtClean="0"/>
-              <a:t>Допълнителни действия</a:t>
-            </a:r>
-            <a:endParaRPr lang="en-US" dirty="0"/>
-          </a:p>
-        </p:txBody>
-      </p:sp>
+        </p:nvPicPr>
+        <p:blipFill>
+          <a:blip r:embed="rId2" cstate="print">
+            <a:extLst>
+              <a:ext uri="{28A0092B-C50C-407E-A947-70E740481C1C}">
+                <a14:useLocalDpi xmlns:a14="http://schemas.microsoft.com/office/drawing/2010/main" val="0"/>
+              </a:ext>
+            </a:extLst>
+          </a:blip>
+          <a:stretch>
+            <a:fillRect/>
+          </a:stretch>
+        </p:blipFill>
+        <p:spPr>
+          <a:xfrm>
+            <a:off x="168965" y="337537"/>
+            <a:ext cx="4756029" cy="6391254"/>
+          </a:xfrm>
+        </p:spPr>
+      </p:pic>
+      <p:pic>
+        <p:nvPicPr>
+          <p:cNvPr id="7" name="Picture 6"/>
+          <p:cNvPicPr>
+            <a:picLocks noChangeAspect="1"/>
+          </p:cNvPicPr>
+          <p:nvPr/>
+        </p:nvPicPr>
+        <p:blipFill>
+          <a:blip r:embed="rId3" cstate="print">
+            <a:extLst>
+              <a:ext uri="{28A0092B-C50C-407E-A947-70E740481C1C}">
+                <a14:useLocalDpi xmlns:a14="http://schemas.microsoft.com/office/drawing/2010/main" val="0"/>
+              </a:ext>
+            </a:extLst>
+          </a:blip>
+          <a:stretch>
+            <a:fillRect/>
+          </a:stretch>
+        </p:blipFill>
+        <p:spPr>
+          <a:xfrm>
+            <a:off x="9778826" y="337537"/>
+            <a:ext cx="2108373" cy="2251891"/>
+          </a:xfrm>
+          <a:prstGeom prst="rect">
+            <a:avLst/>
+          </a:prstGeom>
+        </p:spPr>
+      </p:pic>
+      <p:pic>
+        <p:nvPicPr>
+          <p:cNvPr id="8" name="Picture 7"/>
+          <p:cNvPicPr>
+            <a:picLocks noChangeAspect="1"/>
+          </p:cNvPicPr>
+          <p:nvPr/>
+        </p:nvPicPr>
+        <p:blipFill>
+          <a:blip r:embed="rId4" cstate="print">
+            <a:extLst>
+              <a:ext uri="{28A0092B-C50C-407E-A947-70E740481C1C}">
+                <a14:useLocalDpi xmlns:a14="http://schemas.microsoft.com/office/drawing/2010/main" val="0"/>
+              </a:ext>
+            </a:extLst>
+          </a:blip>
+          <a:stretch>
+            <a:fillRect/>
+          </a:stretch>
+        </p:blipFill>
+        <p:spPr>
+          <a:xfrm>
+            <a:off x="5163534" y="2767044"/>
+            <a:ext cx="6723666" cy="3961747"/>
+          </a:xfrm>
+          <a:prstGeom prst="rect">
+            <a:avLst/>
+          </a:prstGeom>
+        </p:spPr>
+      </p:pic>
+      <p:pic>
+        <p:nvPicPr>
+          <p:cNvPr id="9" name="Picture 8"/>
+          <p:cNvPicPr>
+            <a:picLocks noChangeAspect="1"/>
+          </p:cNvPicPr>
+          <p:nvPr/>
+        </p:nvPicPr>
+        <p:blipFill>
+          <a:blip r:embed="rId5" cstate="print">
+            <a:extLst>
+              <a:ext uri="{28A0092B-C50C-407E-A947-70E740481C1C}">
+                <a14:useLocalDpi xmlns:a14="http://schemas.microsoft.com/office/drawing/2010/main" val="0"/>
+              </a:ext>
+            </a:extLst>
+          </a:blip>
+          <a:stretch>
+            <a:fillRect/>
+          </a:stretch>
+        </p:blipFill>
+        <p:spPr>
+          <a:xfrm>
+            <a:off x="5163535" y="337537"/>
+            <a:ext cx="3731988" cy="2251891"/>
+          </a:xfrm>
+          <a:prstGeom prst="rect">
+            <a:avLst/>
+          </a:prstGeom>
+        </p:spPr>
+      </p:pic>
     </p:spTree>
     <p:extLst>
       <p:ext uri="{BB962C8B-B14F-4D97-AF65-F5344CB8AC3E}">
-        <p14:creationId xmlns:p14="http://schemas.microsoft.com/office/powerpoint/2010/main" val="2855363091"/>
+        <p14:creationId xmlns:p14="http://schemas.microsoft.com/office/powerpoint/2010/main" val="1510020755"/>
       </p:ext>
     </p:extLst>
   </p:cSld>
@@ -3150,12 +3211,30 @@
             <p:ph type="title"/>
           </p:nvPr>
         </p:nvSpPr>
-        <p:spPr>
-          <a:xfrm>
-            <a:off x="838200" y="365126"/>
-            <a:ext cx="10515600" cy="835602"/>
-          </a:xfrm>
-        </p:spPr>
+        <p:spPr/>
+        <p:txBody>
+          <a:bodyPr/>
+          <a:lstStyle/>
+          <a:p>
+            <a:r>
+              <a:rPr lang="bg-BG" dirty="0" smtClean="0"/>
+              <a:t>Съдържание</a:t>
+            </a:r>
+            <a:endParaRPr lang="en-US" dirty="0"/>
+          </a:p>
+        </p:txBody>
+      </p:sp>
+      <p:sp>
+        <p:nvSpPr>
+          <p:cNvPr id="3" name="Content Placeholder 2"/>
+          <p:cNvSpPr>
+            <a:spLocks noGrp="1"/>
+          </p:cNvSpPr>
+          <p:nvPr>
+            <p:ph idx="1"/>
+          </p:nvPr>
+        </p:nvSpPr>
+        <p:spPr/>
         <p:txBody>
           <a:bodyPr/>
           <a:lstStyle/>
@@ -3164,206 +3243,18 @@
               <a:rPr lang="bg-BG" dirty="0" smtClean="0"/>
               <a:t>Задание</a:t>
             </a:r>
-            <a:endParaRPr lang="en-US" dirty="0"/>
-          </a:p>
-        </p:txBody>
-      </p:sp>
-      <p:sp>
-        <p:nvSpPr>
-          <p:cNvPr id="3" name="Content Placeholder 2"/>
-          <p:cNvSpPr>
-            <a:spLocks noGrp="1"/>
-          </p:cNvSpPr>
-          <p:nvPr>
-            <p:ph idx="1"/>
-          </p:nvPr>
-        </p:nvSpPr>
-        <p:spPr>
-          <a:xfrm>
-            <a:off x="838200" y="1200728"/>
-            <a:ext cx="10515600" cy="5347853"/>
-          </a:xfrm>
-        </p:spPr>
-        <p:txBody>
-          <a:bodyPr>
-            <a:normAutofit fontScale="77500" lnSpcReduction="20000"/>
-          </a:bodyPr>
-          <a:lstStyle/>
-          <a:p>
-            <a:pPr marL="0" indent="0">
-              <a:buNone/>
-            </a:pPr>
-            <a:r>
-              <a:rPr lang="bg-BG" b="1" dirty="0">
-                <a:hlinkClick r:id="rId2"/>
-              </a:rPr>
-              <a:t>Управляема кола </a:t>
-            </a:r>
-            <a:r>
-              <a:rPr lang="bg-BG" b="1" dirty="0"/>
-              <a:t>с </a:t>
-            </a:r>
-            <a:r>
-              <a:rPr lang="bg-BG" b="1" dirty="0" smtClean="0"/>
-              <a:t>дистанционно </a:t>
-            </a:r>
-            <a:r>
-              <a:rPr lang="bg-BG" sz="2900" b="1" dirty="0"/>
-              <a:t>посредством джойстик свързан с устройството.</a:t>
-            </a:r>
-            <a:endParaRPr lang="en-US" sz="2900" b="1" dirty="0"/>
-          </a:p>
-          <a:p>
-            <a:pPr marL="0" indent="0">
-              <a:buNone/>
-            </a:pPr>
-            <a:r>
-              <a:rPr lang="bg-BG" b="1" dirty="0" smtClean="0"/>
-              <a:t>  Проект </a:t>
-            </a:r>
-            <a:r>
-              <a:rPr lang="bg-BG" b="1" dirty="0"/>
-              <a:t>на използвани елементи:</a:t>
-            </a:r>
-            <a:endParaRPr lang="en-US" b="1" dirty="0"/>
-          </a:p>
-          <a:p>
-            <a:r>
-              <a:rPr lang="en-US" sz="2500" i="1" dirty="0"/>
-              <a:t>1 </a:t>
-            </a:r>
-            <a:r>
-              <a:rPr lang="bg-BG" sz="2500" i="1" dirty="0"/>
-              <a:t>Джойстик</a:t>
-            </a:r>
-            <a:endParaRPr lang="en-US" sz="2500" dirty="0"/>
-          </a:p>
-          <a:p>
-            <a:r>
-              <a:rPr lang="en-US" sz="2500" i="1" dirty="0"/>
-              <a:t>2 </a:t>
-            </a:r>
-            <a:r>
-              <a:rPr lang="bg-BG" sz="2500" i="1" dirty="0"/>
-              <a:t>Постояннотокови Мотора</a:t>
-            </a:r>
-            <a:endParaRPr lang="en-US" sz="2500" dirty="0"/>
-          </a:p>
-          <a:p>
-            <a:r>
-              <a:rPr lang="en-US" sz="2500" i="1" dirty="0"/>
-              <a:t>1 </a:t>
-            </a:r>
-            <a:r>
-              <a:rPr lang="bg-BG" sz="2500" i="1" dirty="0"/>
-              <a:t>Драйвер за постояннотокови мотори</a:t>
-            </a:r>
-            <a:endParaRPr lang="en-US" sz="2500" dirty="0"/>
-          </a:p>
-          <a:p>
-            <a:r>
-              <a:rPr lang="en-US" sz="2500" i="1" dirty="0"/>
-              <a:t>1 </a:t>
-            </a:r>
-            <a:r>
-              <a:rPr lang="bg-BG" sz="2500" i="1" dirty="0"/>
-              <a:t>Цифров дисплей</a:t>
-            </a:r>
-            <a:endParaRPr lang="en-US" sz="2500" dirty="0"/>
-          </a:p>
-          <a:p>
-            <a:r>
-              <a:rPr lang="bg-BG" sz="2500" i="1" dirty="0"/>
-              <a:t>1 Бутон</a:t>
-            </a:r>
-            <a:endParaRPr lang="en-US" sz="2500" dirty="0"/>
-          </a:p>
-          <a:p>
-            <a:r>
-              <a:rPr lang="bg-BG" sz="2500" i="1" dirty="0" smtClean="0"/>
-              <a:t>Светодиоди с различни цветове</a:t>
-            </a:r>
-            <a:endParaRPr lang="en-US" sz="2500" dirty="0"/>
-          </a:p>
-          <a:p>
-            <a:pPr marL="0" indent="0">
-              <a:buNone/>
-            </a:pPr>
-            <a:r>
-              <a:rPr lang="bg-BG" sz="3700" b="1" dirty="0" smtClean="0"/>
-              <a:t>Изисквания:</a:t>
-            </a:r>
-            <a:endParaRPr lang="en-US" sz="3700" b="1" dirty="0"/>
-          </a:p>
-          <a:p>
-            <a:pPr lvl="0"/>
-            <a:r>
-              <a:rPr lang="bg-BG" sz="2200" dirty="0"/>
-              <a:t>При </a:t>
-            </a:r>
-            <a:r>
-              <a:rPr lang="bg-BG" sz="2200" dirty="0" smtClean="0"/>
-              <a:t>подаване </a:t>
-            </a:r>
-            <a:r>
-              <a:rPr lang="bg-BG" sz="2200" dirty="0"/>
-              <a:t>на сигнал от джойстика за движение напред – да се движи напред</a:t>
-            </a:r>
-            <a:endParaRPr lang="en-US" sz="2200" dirty="0"/>
-          </a:p>
-          <a:p>
-            <a:pPr lvl="0"/>
-            <a:r>
-              <a:rPr lang="bg-BG" sz="2200" dirty="0"/>
-              <a:t>При подаване на сигнал от джойстика за движение назад – да се движи назад</a:t>
-            </a:r>
-            <a:endParaRPr lang="en-US" sz="2200" dirty="0"/>
-          </a:p>
-          <a:p>
-            <a:pPr lvl="0"/>
-            <a:r>
-              <a:rPr lang="bg-BG" sz="2200" dirty="0"/>
-              <a:t>При подаване на сигнал от джойстика за движение наляво – да се движи наляво</a:t>
-            </a:r>
-            <a:endParaRPr lang="en-US" sz="2200" dirty="0"/>
-          </a:p>
-          <a:p>
-            <a:pPr lvl="0"/>
-            <a:r>
-              <a:rPr lang="bg-BG" sz="2200" dirty="0"/>
-              <a:t>При подаване на сигнал от джойстика за движение надясно – да се движи надясно</a:t>
-            </a:r>
-            <a:endParaRPr lang="en-US" sz="2200" dirty="0"/>
-          </a:p>
-          <a:p>
-            <a:pPr lvl="0"/>
-            <a:r>
-              <a:rPr lang="bg-BG" sz="2200" dirty="0"/>
-              <a:t>Да показва обратна информация за моментната скорост на движение използвайки цифровия дисплей</a:t>
-            </a:r>
-            <a:endParaRPr lang="en-US" sz="2200" dirty="0"/>
-          </a:p>
-          <a:p>
-            <a:pPr lvl="0"/>
-            <a:r>
-              <a:rPr lang="bg-BG" sz="2200" dirty="0"/>
-              <a:t>Да ускорява и сменя посоката на движение плавно</a:t>
-            </a:r>
-            <a:endParaRPr lang="en-US" sz="2200" dirty="0"/>
-          </a:p>
-          <a:p>
-            <a:pPr lvl="0"/>
-            <a:r>
-              <a:rPr lang="bg-BG" sz="2200" dirty="0"/>
-              <a:t>При включване и изключване на бутон – да активира и </a:t>
-            </a:r>
-            <a:r>
-              <a:rPr lang="bg-BG" sz="2200" dirty="0" smtClean="0"/>
-              <a:t>деактивира</a:t>
-            </a:r>
-            <a:endParaRPr lang="en-US" sz="2200" dirty="0"/>
-          </a:p>
-          <a:p>
+          </a:p>
+          <a:p>
+            <a:r>
+              <a:rPr lang="bg-BG" dirty="0" smtClean="0"/>
+              <a:t>По-важни етапи от изпълнението</a:t>
+            </a:r>
+          </a:p>
+          <a:p>
+            <a:r>
+              <a:rPr lang="bg-BG" dirty="0" smtClean="0"/>
+              <a:t>Допълнителни действия</a:t>
+            </a:r>
             <a:endParaRPr lang="en-US" dirty="0"/>
           </a:p>
         </p:txBody>
@@ -3371,7 +3262,7 @@
     </p:spTree>
     <p:extLst>
       <p:ext uri="{BB962C8B-B14F-4D97-AF65-F5344CB8AC3E}">
-        <p14:creationId xmlns:p14="http://schemas.microsoft.com/office/powerpoint/2010/main" val="2029170547"/>
+        <p14:creationId xmlns:p14="http://schemas.microsoft.com/office/powerpoint/2010/main" val="2855363091"/>
       </p:ext>
     </p:extLst>
   </p:cSld>
@@ -3408,14 +3299,19 @@
             <p:ph type="title"/>
           </p:nvPr>
         </p:nvSpPr>
-        <p:spPr/>
+        <p:spPr>
+          <a:xfrm>
+            <a:off x="838200" y="365126"/>
+            <a:ext cx="10515600" cy="835602"/>
+          </a:xfrm>
+        </p:spPr>
         <p:txBody>
           <a:bodyPr/>
           <a:lstStyle/>
           <a:p>
             <a:r>
               <a:rPr lang="bg-BG" dirty="0" smtClean="0"/>
-              <a:t>Разширяване на заданието</a:t>
+              <a:t>Задание</a:t>
             </a:r>
             <a:endParaRPr lang="en-US" dirty="0"/>
           </a:p>
@@ -3431,36 +3327,192 @@
             <p:ph idx="1"/>
           </p:nvPr>
         </p:nvSpPr>
-        <p:spPr/>
-        <p:txBody>
-          <a:bodyPr/>
+        <p:spPr>
+          <a:xfrm>
+            <a:off x="838200" y="1200728"/>
+            <a:ext cx="10515600" cy="5347853"/>
+          </a:xfrm>
+        </p:spPr>
+        <p:txBody>
+          <a:bodyPr>
+            <a:normAutofit fontScale="77500" lnSpcReduction="20000"/>
+          </a:bodyPr>
           <a:lstStyle/>
           <a:p>
             <a:pPr marL="0" indent="0">
               <a:buNone/>
             </a:pPr>
             <a:r>
-              <a:rPr lang="bg-BG" dirty="0" smtClean="0"/>
-              <a:t>Добавен е зумер ( реагира с бипкане при натискане на бутон симулирайки клаксон )</a:t>
-            </a:r>
+              <a:rPr lang="bg-BG" b="1" dirty="0">
+                <a:hlinkClick r:id="rId2"/>
+              </a:rPr>
+              <a:t>Управляема кола </a:t>
+            </a:r>
+            <a:r>
+              <a:rPr lang="bg-BG" b="1" dirty="0"/>
+              <a:t>с </a:t>
+            </a:r>
+            <a:r>
+              <a:rPr lang="bg-BG" b="1" dirty="0" smtClean="0"/>
+              <a:t>дистанционно </a:t>
+            </a:r>
+            <a:r>
+              <a:rPr lang="bg-BG" sz="2900" b="1" dirty="0"/>
+              <a:t>посредством джойстик свързан с устройството.</a:t>
+            </a:r>
+            <a:endParaRPr lang="en-US" sz="2900" b="1" dirty="0"/>
           </a:p>
           <a:p>
             <a:pPr marL="0" indent="0">
               <a:buNone/>
             </a:pPr>
             <a:r>
-              <a:rPr lang="bg-BG" dirty="0" smtClean="0"/>
-              <a:t>Добавен е сензор за измерване на разстояние до стоящ пред колата предмет</a:t>
-            </a:r>
+              <a:rPr lang="bg-BG" b="1" dirty="0" smtClean="0"/>
+              <a:t>  Проект </a:t>
+            </a:r>
+            <a:r>
+              <a:rPr lang="bg-BG" b="1" dirty="0"/>
+              <a:t>на използвани елементи:</a:t>
+            </a:r>
+            <a:endParaRPr lang="en-US" b="1" dirty="0"/>
+          </a:p>
+          <a:p>
+            <a:r>
+              <a:rPr lang="en-US" sz="2500" i="1" dirty="0"/>
+              <a:t>1 </a:t>
+            </a:r>
+            <a:r>
+              <a:rPr lang="bg-BG" sz="2500" i="1" dirty="0"/>
+              <a:t>Джойстик</a:t>
+            </a:r>
+            <a:endParaRPr lang="en-US" sz="2500" dirty="0"/>
+          </a:p>
+          <a:p>
+            <a:r>
+              <a:rPr lang="en-US" sz="2500" i="1" dirty="0"/>
+              <a:t>2 </a:t>
+            </a:r>
+            <a:r>
+              <a:rPr lang="bg-BG" sz="2500" i="1" dirty="0"/>
+              <a:t>Постояннотокови Мотора</a:t>
+            </a:r>
+            <a:endParaRPr lang="en-US" sz="2500" dirty="0"/>
+          </a:p>
+          <a:p>
+            <a:r>
+              <a:rPr lang="en-US" sz="2500" i="1" dirty="0"/>
+              <a:t>1 </a:t>
+            </a:r>
+            <a:r>
+              <a:rPr lang="bg-BG" sz="2500" i="1" dirty="0"/>
+              <a:t>Драйвер за постояннотокови мотори</a:t>
+            </a:r>
+            <a:endParaRPr lang="en-US" sz="2500" dirty="0"/>
+          </a:p>
+          <a:p>
+            <a:r>
+              <a:rPr lang="en-US" sz="2500" i="1" dirty="0"/>
+              <a:t>1 </a:t>
+            </a:r>
+            <a:r>
+              <a:rPr lang="bg-BG" sz="2500" i="1" dirty="0"/>
+              <a:t>Цифров дисплей</a:t>
+            </a:r>
+            <a:endParaRPr lang="en-US" sz="2500" dirty="0"/>
+          </a:p>
+          <a:p>
+            <a:r>
+              <a:rPr lang="bg-BG" sz="2500" i="1" dirty="0"/>
+              <a:t>1 Бутон</a:t>
+            </a:r>
+            <a:endParaRPr lang="en-US" sz="2500" dirty="0"/>
+          </a:p>
+          <a:p>
+            <a:r>
+              <a:rPr lang="bg-BG" sz="2500" i="1" dirty="0" smtClean="0"/>
+              <a:t>Светодиоди с различни цветове</a:t>
+            </a:r>
+            <a:endParaRPr lang="en-US" sz="2500" dirty="0"/>
           </a:p>
           <a:p>
             <a:pPr marL="0" indent="0">
               <a:buNone/>
             </a:pPr>
             <a:r>
-              <a:rPr lang="bg-BG" dirty="0" smtClean="0"/>
-              <a:t>Добавена е функционалност на базово ниво за предупреждаване за опасности – червена лампа при опасност и клаксон при висок риск от сблъсък</a:t>
-            </a:r>
+              <a:rPr lang="bg-BG" sz="3700" b="1" dirty="0" smtClean="0"/>
+              <a:t>Изисквания:</a:t>
+            </a:r>
+            <a:endParaRPr lang="en-US" sz="3700" b="1" dirty="0"/>
+          </a:p>
+          <a:p>
+            <a:pPr lvl="0"/>
+            <a:r>
+              <a:rPr lang="bg-BG" sz="2200" dirty="0"/>
+              <a:t>При </a:t>
+            </a:r>
+            <a:r>
+              <a:rPr lang="bg-BG" sz="2200" dirty="0" smtClean="0"/>
+              <a:t>подаване </a:t>
+            </a:r>
+            <a:r>
+              <a:rPr lang="bg-BG" sz="2200" dirty="0"/>
+              <a:t>на сигнал от джойстика за движение напред – да се движи напред</a:t>
+            </a:r>
+            <a:endParaRPr lang="en-US" sz="2200" dirty="0"/>
+          </a:p>
+          <a:p>
+            <a:pPr lvl="0"/>
+            <a:r>
+              <a:rPr lang="bg-BG" sz="2200" dirty="0"/>
+              <a:t>При подаване на сигнал от джойстика за движение назад – да се движи назад</a:t>
+            </a:r>
+            <a:endParaRPr lang="en-US" sz="2200" dirty="0"/>
+          </a:p>
+          <a:p>
+            <a:pPr lvl="0"/>
+            <a:r>
+              <a:rPr lang="bg-BG" sz="2200" dirty="0"/>
+              <a:t>При подаване на сигнал от джойстика за движение наляво – да се движи наляво</a:t>
+            </a:r>
+            <a:endParaRPr lang="en-US" sz="2200" dirty="0"/>
+          </a:p>
+          <a:p>
+            <a:pPr lvl="0"/>
+            <a:r>
+              <a:rPr lang="bg-BG" sz="2200" dirty="0"/>
+              <a:t>При подаване на сигнал от джойстика за движение надясно – да се движи надясно</a:t>
+            </a:r>
+            <a:endParaRPr lang="en-US" sz="2200" dirty="0"/>
+          </a:p>
+          <a:p>
+            <a:pPr lvl="0"/>
+            <a:r>
+              <a:rPr lang="bg-BG" sz="2200" dirty="0"/>
+              <a:t>Да показва обратна информация за моментната скорост на движение използвайки цифровия дисплей</a:t>
+            </a:r>
+            <a:endParaRPr lang="en-US" sz="2200" dirty="0"/>
+          </a:p>
+          <a:p>
+            <a:pPr lvl="0"/>
+            <a:r>
+              <a:rPr lang="bg-BG" sz="2200" dirty="0"/>
+              <a:t>Да ускорява и сменя посоката на движение плавно</a:t>
+            </a:r>
+            <a:endParaRPr lang="en-US" sz="2200" dirty="0"/>
+          </a:p>
+          <a:p>
+            <a:pPr lvl="0"/>
+            <a:r>
+              <a:rPr lang="bg-BG" sz="2200" dirty="0"/>
+              <a:t>При включване и изключване на бутон – да активира и </a:t>
+            </a:r>
+            <a:r>
+              <a:rPr lang="bg-BG" sz="2200" dirty="0" smtClean="0"/>
+              <a:t>деактивира</a:t>
+            </a:r>
+            <a:endParaRPr lang="en-US" sz="2200" dirty="0"/>
+          </a:p>
+          <a:p>
             <a:endParaRPr lang="en-US" dirty="0"/>
           </a:p>
         </p:txBody>
@@ -3468,7 +3520,7 @@
     </p:spTree>
     <p:extLst>
       <p:ext uri="{BB962C8B-B14F-4D97-AF65-F5344CB8AC3E}">
-        <p14:creationId xmlns:p14="http://schemas.microsoft.com/office/powerpoint/2010/main" val="2276791400"/>
+        <p14:creationId xmlns:p14="http://schemas.microsoft.com/office/powerpoint/2010/main" val="2029170547"/>
       </p:ext>
     </p:extLst>
   </p:cSld>
@@ -3505,21 +3557,14 @@
             <p:ph type="title"/>
           </p:nvPr>
         </p:nvSpPr>
-        <p:spPr>
-          <a:xfrm>
-            <a:off x="838200" y="365125"/>
-            <a:ext cx="10515600" cy="595457"/>
-          </a:xfrm>
-        </p:spPr>
-        <p:txBody>
-          <a:bodyPr>
-            <a:normAutofit fontScale="90000"/>
-          </a:bodyPr>
+        <p:spPr/>
+        <p:txBody>
+          <a:bodyPr/>
           <a:lstStyle/>
           <a:p>
             <a:r>
               <a:rPr lang="bg-BG" dirty="0" smtClean="0"/>
-              <a:t>По-важни етапи от изпълнението</a:t>
+              <a:t>Разширяване на заданието</a:t>
             </a:r>
             <a:endParaRPr lang="en-US" dirty="0"/>
           </a:p>
@@ -3535,330 +3580,55 @@
             <p:ph idx="1"/>
           </p:nvPr>
         </p:nvSpPr>
-        <p:spPr>
-          <a:xfrm>
-            <a:off x="838200" y="960582"/>
-            <a:ext cx="10515600" cy="5216381"/>
-          </a:xfrm>
-        </p:spPr>
-        <p:txBody>
-          <a:bodyPr>
-            <a:normAutofit/>
-          </a:bodyPr>
-          <a:lstStyle/>
-          <a:p>
-            <a:pPr marL="342900" indent="-342900">
-              <a:buAutoNum type="arabicPeriod"/>
+        <p:spPr/>
+        <p:txBody>
+          <a:bodyPr/>
+          <a:lstStyle/>
+          <a:p>
+            <a:pPr>
+              <a:buFont typeface="Wingdings" panose="05000000000000000000" pitchFamily="2" charset="2"/>
+              <a:buChar char="ü"/>
             </a:pPr>
             <a:r>
-              <a:rPr lang="bg-BG" sz="1400" dirty="0" smtClean="0">
-                <a:latin typeface="Arial" panose="020B0604020202020204" pitchFamily="34" charset="0"/>
-                <a:cs typeface="Arial" panose="020B0604020202020204" pitchFamily="34" charset="0"/>
-              </a:rPr>
-              <a:t>Първоначално запознаване със средата за разработка „Ардуино“</a:t>
-            </a:r>
-          </a:p>
-          <a:p>
-            <a:pPr marL="342900" indent="-342900">
-              <a:buAutoNum type="arabicPeriod"/>
+              <a:rPr lang="bg-BG" dirty="0" smtClean="0"/>
+              <a:t>Добавен е </a:t>
+            </a:r>
+            <a:r>
+              <a:rPr lang="bg-BG" dirty="0" smtClean="0"/>
+              <a:t>бъзър </a:t>
+            </a:r>
+            <a:r>
+              <a:rPr lang="bg-BG" dirty="0" smtClean="0"/>
+              <a:t>( реагира с бипкане при натискане на бутон симулирайки клаксон )</a:t>
+            </a:r>
+          </a:p>
+          <a:p>
+            <a:pPr>
+              <a:buFont typeface="Wingdings" panose="05000000000000000000" pitchFamily="2" charset="2"/>
+              <a:buChar char="ü"/>
             </a:pPr>
             <a:r>
-              <a:rPr lang="bg-BG" sz="1400" dirty="0" smtClean="0">
-                <a:latin typeface="Arial" panose="020B0604020202020204" pitchFamily="34" charset="0"/>
-                <a:cs typeface="Arial" panose="020B0604020202020204" pitchFamily="34" charset="0"/>
-              </a:rPr>
-              <a:t>Дизайн на система за логване на съобщения от платката върху </a:t>
-            </a:r>
-            <a:r>
-              <a:rPr lang="en-US" sz="1400" dirty="0" smtClean="0">
-                <a:latin typeface="Arial" panose="020B0604020202020204" pitchFamily="34" charset="0"/>
-                <a:cs typeface="Arial" panose="020B0604020202020204" pitchFamily="34" charset="0"/>
-              </a:rPr>
-              <a:t>UART </a:t>
-            </a:r>
-            <a:r>
-              <a:rPr lang="bg-BG" sz="1400" dirty="0" smtClean="0">
-                <a:latin typeface="Arial" panose="020B0604020202020204" pitchFamily="34" charset="0"/>
-                <a:cs typeface="Arial" panose="020B0604020202020204" pitchFamily="34" charset="0"/>
-              </a:rPr>
-              <a:t>– с идея да бъде използвана за дебъгване</a:t>
-            </a:r>
-          </a:p>
-          <a:p>
-            <a:pPr marL="342900" indent="-342900">
-              <a:buAutoNum type="arabicPeriod"/>
+              <a:rPr lang="bg-BG" dirty="0" smtClean="0"/>
+              <a:t>Добавен е сензор за измерване на разстояние до стоящ пред колата предмет</a:t>
+            </a:r>
+          </a:p>
+          <a:p>
+            <a:pPr>
+              <a:buFont typeface="Wingdings" panose="05000000000000000000" pitchFamily="2" charset="2"/>
+              <a:buChar char="ü"/>
             </a:pPr>
             <a:r>
-              <a:rPr lang="bg-BG" sz="1400" dirty="0" smtClean="0">
-                <a:latin typeface="Arial" panose="020B0604020202020204" pitchFamily="34" charset="0"/>
-                <a:cs typeface="Arial" panose="020B0604020202020204" pitchFamily="34" charset="0"/>
-              </a:rPr>
-              <a:t>Дизайн на система извикваща функции от различните модули – за всеки модул във фиксиран ред се извиква негова функция - Скеджулиране</a:t>
-            </a:r>
-          </a:p>
-          <a:p>
-            <a:pPr marL="342900" indent="-342900">
-              <a:buAutoNum type="arabicPeriod"/>
-            </a:pPr>
-            <a:r>
-              <a:rPr lang="bg-BG" sz="1400" dirty="0" smtClean="0">
-                <a:latin typeface="Arial" panose="020B0604020202020204" pitchFamily="34" charset="0"/>
-                <a:cs typeface="Arial" panose="020B0604020202020204" pitchFamily="34" charset="0"/>
-              </a:rPr>
-              <a:t>Установяване първоначалните стойности на регистрите, които ще бъдат използвани – Инициализация</a:t>
-            </a:r>
-          </a:p>
-          <a:p>
-            <a:pPr marL="342900" indent="-342900">
-              <a:buAutoNum type="arabicPeriod"/>
-            </a:pPr>
-            <a:r>
-              <a:rPr lang="bg-BG" sz="1400" dirty="0" smtClean="0">
-                <a:latin typeface="Arial" panose="020B0604020202020204" pitchFamily="34" charset="0"/>
-                <a:cs typeface="Arial" panose="020B0604020202020204" pitchFamily="34" charset="0"/>
-              </a:rPr>
-              <a:t>Проучване и разработване на прототипи за управление на използваната периферия</a:t>
-            </a:r>
-          </a:p>
-          <a:p>
-            <a:pPr marL="342900" indent="-342900">
-              <a:buAutoNum type="arabicPeriod"/>
-            </a:pPr>
-            <a:r>
-              <a:rPr lang="bg-BG" sz="1400" dirty="0" smtClean="0">
-                <a:latin typeface="Arial" panose="020B0604020202020204" pitchFamily="34" charset="0"/>
-                <a:cs typeface="Arial" panose="020B0604020202020204" pitchFamily="34" charset="0"/>
-              </a:rPr>
-              <a:t>Създаване драфт версия на </a:t>
-            </a:r>
-            <a:r>
-              <a:rPr lang="bg-BG" sz="1400" dirty="0" smtClean="0">
-                <a:latin typeface="Arial" panose="020B0604020202020204" pitchFamily="34" charset="0"/>
-                <a:cs typeface="Arial" panose="020B0604020202020204" pitchFamily="34" charset="0"/>
-                <a:hlinkClick r:id="rId2"/>
-              </a:rPr>
-              <a:t>документация</a:t>
-            </a:r>
-            <a:r>
-              <a:rPr lang="bg-BG" sz="1400" dirty="0" smtClean="0">
-                <a:latin typeface="Arial" panose="020B0604020202020204" pitchFamily="34" charset="0"/>
-                <a:cs typeface="Arial" panose="020B0604020202020204" pitchFamily="34" charset="0"/>
-              </a:rPr>
-              <a:t> описваща използваните пинове и цветове кабели, както и местата им на бредборда</a:t>
-            </a:r>
-          </a:p>
-          <a:p>
-            <a:pPr marL="342900" indent="-342900">
-              <a:buAutoNum type="arabicPeriod"/>
-            </a:pPr>
-            <a:r>
-              <a:rPr lang="bg-BG" sz="1400" dirty="0" smtClean="0">
-                <a:latin typeface="Arial" panose="020B0604020202020204" pitchFamily="34" charset="0"/>
-                <a:cs typeface="Arial" panose="020B0604020202020204" pitchFamily="34" charset="0"/>
-              </a:rPr>
-              <a:t>Проучване, комуникация с доставчици и </a:t>
-            </a:r>
-            <a:r>
-              <a:rPr lang="bg-BG" sz="1400" dirty="0" smtClean="0">
-                <a:latin typeface="Arial" panose="020B0604020202020204" pitchFamily="34" charset="0"/>
-                <a:cs typeface="Arial" panose="020B0604020202020204" pitchFamily="34" charset="0"/>
-                <a:hlinkClick r:id="rId3"/>
-              </a:rPr>
-              <a:t>заявка</a:t>
-            </a:r>
-            <a:r>
-              <a:rPr lang="bg-BG" sz="1400" dirty="0" smtClean="0">
-                <a:latin typeface="Arial" panose="020B0604020202020204" pitchFamily="34" charset="0"/>
-                <a:cs typeface="Arial" panose="020B0604020202020204" pitchFamily="34" charset="0"/>
-              </a:rPr>
-              <a:t> на </a:t>
-            </a:r>
-            <a:r>
-              <a:rPr lang="bg-BG" sz="1400" dirty="0" smtClean="0">
-                <a:latin typeface="Arial" panose="020B0604020202020204" pitchFamily="34" charset="0"/>
-                <a:cs typeface="Arial" panose="020B0604020202020204" pitchFamily="34" charset="0"/>
-                <a:hlinkClick r:id="rId4"/>
-              </a:rPr>
-              <a:t>допълнителни</a:t>
-            </a:r>
-            <a:r>
-              <a:rPr lang="bg-BG" sz="1400" dirty="0" smtClean="0">
-                <a:latin typeface="Arial" panose="020B0604020202020204" pitchFamily="34" charset="0"/>
-                <a:cs typeface="Arial" panose="020B0604020202020204" pitchFamily="34" charset="0"/>
-              </a:rPr>
-              <a:t> </a:t>
-            </a:r>
-            <a:r>
-              <a:rPr lang="bg-BG" sz="1400" dirty="0" smtClean="0">
-                <a:latin typeface="Arial" panose="020B0604020202020204" pitchFamily="34" charset="0"/>
-                <a:cs typeface="Arial" panose="020B0604020202020204" pitchFamily="34" charset="0"/>
-                <a:hlinkClick r:id="rId5"/>
-              </a:rPr>
-              <a:t>елементи</a:t>
-            </a:r>
-            <a:r>
-              <a:rPr lang="bg-BG" sz="1400" dirty="0" smtClean="0">
-                <a:latin typeface="Arial" panose="020B0604020202020204" pitchFamily="34" charset="0"/>
-                <a:cs typeface="Arial" panose="020B0604020202020204" pitchFamily="34" charset="0"/>
-              </a:rPr>
-              <a:t> за</a:t>
-            </a:r>
-            <a:r>
-              <a:rPr lang="en-US" sz="1400" dirty="0" smtClean="0">
-                <a:latin typeface="Arial" panose="020B0604020202020204" pitchFamily="34" charset="0"/>
-                <a:cs typeface="Arial" panose="020B0604020202020204" pitchFamily="34" charset="0"/>
-              </a:rPr>
-              <a:t> </a:t>
-            </a:r>
-            <a:r>
-              <a:rPr lang="bg-BG" sz="1400" dirty="0" smtClean="0">
-                <a:latin typeface="Arial" panose="020B0604020202020204" pitchFamily="34" charset="0"/>
-                <a:cs typeface="Arial" panose="020B0604020202020204" pitchFamily="34" charset="0"/>
-              </a:rPr>
-              <a:t>проекта</a:t>
-            </a:r>
-          </a:p>
-          <a:p>
-            <a:pPr marL="342900" indent="-342900">
-              <a:buAutoNum type="arabicPeriod"/>
-            </a:pPr>
-            <a:r>
-              <a:rPr lang="bg-BG" sz="1400" dirty="0" smtClean="0">
-                <a:latin typeface="Arial" panose="020B0604020202020204" pitchFamily="34" charset="0"/>
-                <a:cs typeface="Arial" panose="020B0604020202020204" pitchFamily="34" charset="0"/>
-              </a:rPr>
-              <a:t>Разпробиване на отвори Фи3 до Фи4 за подобряване стабилността на конструкцията</a:t>
-            </a:r>
-          </a:p>
-          <a:p>
-            <a:pPr marL="342900" indent="-342900">
-              <a:buAutoNum type="arabicPeriod"/>
-            </a:pPr>
-            <a:r>
-              <a:rPr lang="bg-BG" sz="1400" dirty="0" smtClean="0">
-                <a:latin typeface="Arial" panose="020B0604020202020204" pitchFamily="34" charset="0"/>
-                <a:cs typeface="Arial" panose="020B0604020202020204" pitchFamily="34" charset="0"/>
-              </a:rPr>
-              <a:t>Написване функционални и интеграционни тестове за проверка за регресии</a:t>
-            </a:r>
-          </a:p>
-          <a:p>
-            <a:pPr marL="342900" indent="-342900">
-              <a:buAutoNum type="arabicPeriod"/>
-            </a:pPr>
-            <a:r>
-              <a:rPr lang="bg-BG" sz="1400" dirty="0" smtClean="0">
-                <a:latin typeface="Arial" panose="020B0604020202020204" pitchFamily="34" charset="0"/>
-                <a:cs typeface="Arial" panose="020B0604020202020204" pitchFamily="34" charset="0"/>
-              </a:rPr>
-              <a:t>Отваряне на нова директория в </a:t>
-            </a:r>
-            <a:r>
-              <a:rPr lang="en-US" sz="1400" dirty="0" err="1" smtClean="0">
-                <a:latin typeface="Arial" panose="020B0604020202020204" pitchFamily="34" charset="0"/>
-                <a:cs typeface="Arial" panose="020B0604020202020204" pitchFamily="34" charset="0"/>
-              </a:rPr>
-              <a:t>github</a:t>
-            </a:r>
-            <a:r>
-              <a:rPr lang="en-US" sz="1400" dirty="0" smtClean="0">
-                <a:latin typeface="Arial" panose="020B0604020202020204" pitchFamily="34" charset="0"/>
-                <a:cs typeface="Arial" panose="020B0604020202020204" pitchFamily="34" charset="0"/>
-              </a:rPr>
-              <a:t> </a:t>
-            </a:r>
-            <a:r>
-              <a:rPr lang="bg-BG" sz="1400" dirty="0" smtClean="0">
-                <a:latin typeface="Arial" panose="020B0604020202020204" pitchFamily="34" charset="0"/>
-                <a:cs typeface="Arial" panose="020B0604020202020204" pitchFamily="34" charset="0"/>
-              </a:rPr>
-              <a:t>за целите на </a:t>
-            </a:r>
-            <a:r>
-              <a:rPr lang="bg-BG" sz="1400" dirty="0" smtClean="0">
-                <a:latin typeface="Arial" panose="020B0604020202020204" pitchFamily="34" charset="0"/>
-                <a:cs typeface="Arial" panose="020B0604020202020204" pitchFamily="34" charset="0"/>
-                <a:hlinkClick r:id="rId6"/>
-              </a:rPr>
-              <a:t>проекта</a:t>
-            </a:r>
-            <a:endParaRPr lang="bg-BG" sz="1400" dirty="0" smtClean="0">
-              <a:latin typeface="Arial" panose="020B0604020202020204" pitchFamily="34" charset="0"/>
-              <a:cs typeface="Arial" panose="020B0604020202020204" pitchFamily="34" charset="0"/>
-            </a:endParaRPr>
-          </a:p>
-          <a:p>
-            <a:pPr marL="342900" indent="-342900">
-              <a:buAutoNum type="arabicPeriod"/>
-            </a:pPr>
-            <a:r>
-              <a:rPr lang="bg-BG" sz="1400" dirty="0" smtClean="0">
-                <a:latin typeface="Arial" panose="020B0604020202020204" pitchFamily="34" charset="0"/>
-                <a:cs typeface="Arial" panose="020B0604020202020204" pitchFamily="34" charset="0"/>
-              </a:rPr>
-              <a:t>Интеграция на пристигналите компоненти и документиране на софтуерната архитектура – имена на компоненти, роля и дизайн</a:t>
-            </a:r>
-          </a:p>
-          <a:p>
-            <a:pPr marL="342900" indent="-342900">
-              <a:buAutoNum type="arabicPeriod"/>
-            </a:pPr>
-            <a:r>
-              <a:rPr lang="bg-BG" sz="1400" dirty="0" smtClean="0">
-                <a:latin typeface="Arial" panose="020B0604020202020204" pitchFamily="34" charset="0"/>
-                <a:cs typeface="Arial" panose="020B0604020202020204" pitchFamily="34" charset="0"/>
-              </a:rPr>
-              <a:t>Разучаване функционалността на джойстика и намиране подходящи параметри за нуждите на проекта</a:t>
-            </a:r>
-          </a:p>
-          <a:p>
-            <a:pPr marL="342900" indent="-342900">
-              <a:buAutoNum type="arabicPeriod"/>
-            </a:pPr>
-            <a:r>
-              <a:rPr lang="bg-BG" sz="1400" dirty="0" smtClean="0">
-                <a:latin typeface="Arial" panose="020B0604020202020204" pitchFamily="34" charset="0"/>
-                <a:cs typeface="Arial" panose="020B0604020202020204" pitchFamily="34" charset="0"/>
-              </a:rPr>
-              <a:t>Разрешаване на два блокиращи проблема – как да работя с количката без да се налага да я гоня докато тествам ( благодарности на </a:t>
-            </a:r>
-            <a:r>
-              <a:rPr lang="en-US" sz="1400" dirty="0" err="1" smtClean="0">
-                <a:latin typeface="Arial" panose="020B0604020202020204" pitchFamily="34" charset="0"/>
-                <a:cs typeface="Arial" panose="020B0604020202020204" pitchFamily="34" charset="0"/>
-              </a:rPr>
-              <a:t>youtube</a:t>
-            </a:r>
-            <a:r>
-              <a:rPr lang="en-US" sz="1400" dirty="0" smtClean="0">
-                <a:latin typeface="Arial" panose="020B0604020202020204" pitchFamily="34" charset="0"/>
-                <a:cs typeface="Arial" panose="020B0604020202020204" pitchFamily="34" charset="0"/>
-              </a:rPr>
-              <a:t> </a:t>
-            </a:r>
-            <a:r>
-              <a:rPr lang="bg-BG" sz="1400" dirty="0" smtClean="0">
-                <a:latin typeface="Arial" panose="020B0604020202020204" pitchFamily="34" charset="0"/>
-                <a:cs typeface="Arial" panose="020B0604020202020204" pitchFamily="34" charset="0"/>
-              </a:rPr>
-              <a:t>за идеята да ползвам чаши за чай ) и как да осигуря ползването на пинове, завързани към Таймер 1</a:t>
-            </a:r>
-          </a:p>
-          <a:p>
-            <a:pPr marL="342900" indent="-342900">
-              <a:buAutoNum type="arabicPeriod"/>
-            </a:pPr>
-            <a:endParaRPr lang="en-US" sz="1400" dirty="0">
-              <a:latin typeface="Arial" panose="020B0604020202020204" pitchFamily="34" charset="0"/>
-              <a:cs typeface="Arial" panose="020B0604020202020204" pitchFamily="34" charset="0"/>
-            </a:endParaRPr>
+              <a:rPr lang="bg-BG" dirty="0" smtClean="0"/>
+              <a:t>Добавена е функционалност на базово ниво за предупреждаване за опасности – червена лампа при опасност и клаксон при висок риск от сблъсък</a:t>
+            </a:r>
+            <a:endParaRPr lang="en-US" dirty="0"/>
           </a:p>
         </p:txBody>
       </p:sp>
     </p:spTree>
     <p:extLst>
       <p:ext uri="{BB962C8B-B14F-4D97-AF65-F5344CB8AC3E}">
-        <p14:creationId xmlns:p14="http://schemas.microsoft.com/office/powerpoint/2010/main" val="1376139388"/>
+        <p14:creationId xmlns:p14="http://schemas.microsoft.com/office/powerpoint/2010/main" val="2276791400"/>
       </p:ext>
     </p:extLst>
   </p:cSld>
@@ -3909,7 +3679,7 @@
           <a:p>
             <a:r>
               <a:rPr lang="bg-BG" dirty="0" smtClean="0"/>
-              <a:t>По-важни етапи от изпълнението - Стъпки</a:t>
+              <a:t>По-важни етапи от изпълнението</a:t>
             </a:r>
             <a:endParaRPr lang="en-US" dirty="0"/>
           </a:p>
@@ -3937,22 +3707,218 @@
           </a:bodyPr>
           <a:lstStyle/>
           <a:p>
-            <a:pPr marL="0" indent="0">
-              <a:buNone/>
+            <a:pPr marL="342900" indent="-342900">
+              <a:buAutoNum type="arabicPeriod"/>
             </a:pPr>
             <a:r>
               <a:rPr lang="bg-BG" sz="1400" dirty="0" smtClean="0">
                 <a:latin typeface="Arial" panose="020B0604020202020204" pitchFamily="34" charset="0"/>
                 <a:cs typeface="Arial" panose="020B0604020202020204" pitchFamily="34" charset="0"/>
               </a:rPr>
-              <a:t>14. Намиране подходящо разпределение работата на таймера. Кога да се използва за скеджулиране и кога за </a:t>
+              <a:t>Първоначално запознаване със средата за разработка „Ардуино“</a:t>
+            </a:r>
+          </a:p>
+          <a:p>
+            <a:pPr marL="342900" indent="-342900">
+              <a:buAutoNum type="arabicPeriod"/>
+            </a:pPr>
+            <a:r>
+              <a:rPr lang="bg-BG" sz="1400" dirty="0" smtClean="0">
+                <a:latin typeface="Arial" panose="020B0604020202020204" pitchFamily="34" charset="0"/>
+                <a:cs typeface="Arial" panose="020B0604020202020204" pitchFamily="34" charset="0"/>
+              </a:rPr>
+              <a:t>Дизайн на система за логване на съобщения от платката върху </a:t>
+            </a:r>
+            <a:r>
+              <a:rPr lang="en-US" sz="1400" dirty="0" smtClean="0">
+                <a:latin typeface="Arial" panose="020B0604020202020204" pitchFamily="34" charset="0"/>
+                <a:cs typeface="Arial" panose="020B0604020202020204" pitchFamily="34" charset="0"/>
+              </a:rPr>
+              <a:t>UART </a:t>
+            </a:r>
+            <a:r>
+              <a:rPr lang="bg-BG" sz="1400" dirty="0" smtClean="0">
+                <a:latin typeface="Arial" panose="020B0604020202020204" pitchFamily="34" charset="0"/>
+                <a:cs typeface="Arial" panose="020B0604020202020204" pitchFamily="34" charset="0"/>
+              </a:rPr>
+              <a:t>– с идея да бъде използвана за дебъгване</a:t>
+            </a:r>
+          </a:p>
+          <a:p>
+            <a:pPr marL="342900" indent="-342900">
+              <a:buAutoNum type="arabicPeriod"/>
+            </a:pPr>
+            <a:r>
+              <a:rPr lang="bg-BG" sz="1400" dirty="0" smtClean="0">
+                <a:latin typeface="Arial" panose="020B0604020202020204" pitchFamily="34" charset="0"/>
+                <a:cs typeface="Arial" panose="020B0604020202020204" pitchFamily="34" charset="0"/>
+              </a:rPr>
+              <a:t>Дизайн на система извикваща функции от различните модули – за всеки модул във фиксиран ред се извиква негова функция - Скеджулиране</a:t>
+            </a:r>
+          </a:p>
+          <a:p>
+            <a:pPr marL="342900" indent="-342900">
+              <a:buAutoNum type="arabicPeriod"/>
+            </a:pPr>
+            <a:r>
+              <a:rPr lang="bg-BG" sz="1400" dirty="0" smtClean="0">
+                <a:latin typeface="Arial" panose="020B0604020202020204" pitchFamily="34" charset="0"/>
+                <a:cs typeface="Arial" panose="020B0604020202020204" pitchFamily="34" charset="0"/>
+              </a:rPr>
+              <a:t>Установяване първоначалните стойности на регистрите, които ще бъдат използвани – Инициализация</a:t>
+            </a:r>
+          </a:p>
+          <a:p>
+            <a:pPr marL="342900" indent="-342900">
+              <a:buAutoNum type="arabicPeriod"/>
+            </a:pPr>
+            <a:r>
+              <a:rPr lang="bg-BG" sz="1400" dirty="0" smtClean="0">
+                <a:latin typeface="Arial" panose="020B0604020202020204" pitchFamily="34" charset="0"/>
+                <a:cs typeface="Arial" panose="020B0604020202020204" pitchFamily="34" charset="0"/>
+              </a:rPr>
+              <a:t>Проучване и разработване на прототипи за управление на използваната периферия</a:t>
+            </a:r>
+          </a:p>
+          <a:p>
+            <a:pPr marL="342900" indent="-342900">
+              <a:buAutoNum type="arabicPeriod"/>
+            </a:pPr>
+            <a:r>
+              <a:rPr lang="bg-BG" sz="1400" dirty="0" smtClean="0">
+                <a:latin typeface="Arial" panose="020B0604020202020204" pitchFamily="34" charset="0"/>
+                <a:cs typeface="Arial" panose="020B0604020202020204" pitchFamily="34" charset="0"/>
+              </a:rPr>
+              <a:t>Създаване драфт версия на </a:t>
+            </a:r>
+            <a:r>
+              <a:rPr lang="bg-BG" sz="1400" dirty="0" smtClean="0">
+                <a:latin typeface="Arial" panose="020B0604020202020204" pitchFamily="34" charset="0"/>
+                <a:cs typeface="Arial" panose="020B0604020202020204" pitchFamily="34" charset="0"/>
+                <a:hlinkClick r:id="rId2"/>
+              </a:rPr>
+              <a:t>документация</a:t>
+            </a:r>
+            <a:r>
+              <a:rPr lang="bg-BG" sz="1400" dirty="0" smtClean="0">
+                <a:latin typeface="Arial" panose="020B0604020202020204" pitchFamily="34" charset="0"/>
+                <a:cs typeface="Arial" panose="020B0604020202020204" pitchFamily="34" charset="0"/>
+              </a:rPr>
+              <a:t> описваща използваните пинове и цветове кабели, както и местата им на бредборда</a:t>
+            </a:r>
+          </a:p>
+          <a:p>
+            <a:pPr marL="342900" indent="-342900">
+              <a:buAutoNum type="arabicPeriod"/>
+            </a:pPr>
+            <a:r>
+              <a:rPr lang="bg-BG" sz="1400" dirty="0" smtClean="0">
+                <a:latin typeface="Arial" panose="020B0604020202020204" pitchFamily="34" charset="0"/>
+                <a:cs typeface="Arial" panose="020B0604020202020204" pitchFamily="34" charset="0"/>
+              </a:rPr>
+              <a:t>Проучване, комуникация с доставчици и </a:t>
+            </a:r>
+            <a:r>
+              <a:rPr lang="bg-BG" sz="1400" dirty="0" smtClean="0">
+                <a:latin typeface="Arial" panose="020B0604020202020204" pitchFamily="34" charset="0"/>
+                <a:cs typeface="Arial" panose="020B0604020202020204" pitchFamily="34" charset="0"/>
+                <a:hlinkClick r:id="rId3"/>
+              </a:rPr>
+              <a:t>заявка</a:t>
+            </a:r>
+            <a:r>
+              <a:rPr lang="bg-BG" sz="1400" dirty="0" smtClean="0">
+                <a:latin typeface="Arial" panose="020B0604020202020204" pitchFamily="34" charset="0"/>
+                <a:cs typeface="Arial" panose="020B0604020202020204" pitchFamily="34" charset="0"/>
+              </a:rPr>
+              <a:t> на </a:t>
+            </a:r>
+            <a:r>
+              <a:rPr lang="bg-BG" sz="1400" dirty="0" smtClean="0">
+                <a:latin typeface="Arial" panose="020B0604020202020204" pitchFamily="34" charset="0"/>
+                <a:cs typeface="Arial" panose="020B0604020202020204" pitchFamily="34" charset="0"/>
+                <a:hlinkClick r:id="rId4"/>
+              </a:rPr>
+              <a:t>допълнителни</a:t>
+            </a:r>
+            <a:r>
+              <a:rPr lang="bg-BG" sz="1400" dirty="0" smtClean="0">
+                <a:latin typeface="Arial" panose="020B0604020202020204" pitchFamily="34" charset="0"/>
+                <a:cs typeface="Arial" panose="020B0604020202020204" pitchFamily="34" charset="0"/>
+              </a:rPr>
+              <a:t> </a:t>
+            </a:r>
+            <a:r>
+              <a:rPr lang="bg-BG" sz="1400" dirty="0" smtClean="0">
+                <a:latin typeface="Arial" panose="020B0604020202020204" pitchFamily="34" charset="0"/>
+                <a:cs typeface="Arial" panose="020B0604020202020204" pitchFamily="34" charset="0"/>
+                <a:hlinkClick r:id="rId5"/>
+              </a:rPr>
+              <a:t>елементи</a:t>
+            </a:r>
+            <a:r>
+              <a:rPr lang="bg-BG" sz="1400" dirty="0" smtClean="0">
+                <a:latin typeface="Arial" panose="020B0604020202020204" pitchFamily="34" charset="0"/>
+                <a:cs typeface="Arial" panose="020B0604020202020204" pitchFamily="34" charset="0"/>
+              </a:rPr>
+              <a:t> за</a:t>
+            </a:r>
+            <a:r>
+              <a:rPr lang="en-US" sz="1400" dirty="0" smtClean="0">
+                <a:latin typeface="Arial" panose="020B0604020202020204" pitchFamily="34" charset="0"/>
+                <a:cs typeface="Arial" panose="020B0604020202020204" pitchFamily="34" charset="0"/>
+              </a:rPr>
+              <a:t> </a:t>
+            </a:r>
+            <a:r>
+              <a:rPr lang="bg-BG" sz="1400" dirty="0" smtClean="0">
+                <a:latin typeface="Arial" panose="020B0604020202020204" pitchFamily="34" charset="0"/>
+                <a:cs typeface="Arial" panose="020B0604020202020204" pitchFamily="34" charset="0"/>
+              </a:rPr>
+              <a:t>проекта</a:t>
+            </a:r>
+          </a:p>
+          <a:p>
+            <a:pPr marL="342900" indent="-342900">
+              <a:buAutoNum type="arabicPeriod"/>
+            </a:pPr>
+            <a:r>
+              <a:rPr lang="bg-BG" sz="1400" dirty="0" smtClean="0">
+                <a:latin typeface="Arial" panose="020B0604020202020204" pitchFamily="34" charset="0"/>
+                <a:cs typeface="Arial" panose="020B0604020202020204" pitchFamily="34" charset="0"/>
+              </a:rPr>
+              <a:t>Разпробиване на отвори Фи3 до Фи4 за подобряване стабилността на конструкцията</a:t>
+            </a:r>
+          </a:p>
+          <a:p>
+            <a:pPr marL="342900" indent="-342900">
+              <a:buAutoNum type="arabicPeriod"/>
+            </a:pPr>
+            <a:r>
+              <a:rPr lang="bg-BG" sz="1400" dirty="0" smtClean="0">
+                <a:latin typeface="Arial" panose="020B0604020202020204" pitchFamily="34" charset="0"/>
+                <a:cs typeface="Arial" panose="020B0604020202020204" pitchFamily="34" charset="0"/>
+              </a:rPr>
+              <a:t>Написване функционални и интеграционни тестове за проверка за регресии</a:t>
+            </a:r>
+          </a:p>
+          <a:p>
+            <a:pPr marL="342900" indent="-342900">
+              <a:buAutoNum type="arabicPeriod"/>
+            </a:pPr>
+            <a:r>
+              <a:rPr lang="bg-BG" sz="1400" dirty="0" smtClean="0">
+                <a:latin typeface="Arial" panose="020B0604020202020204" pitchFamily="34" charset="0"/>
+                <a:cs typeface="Arial" panose="020B0604020202020204" pitchFamily="34" charset="0"/>
+              </a:rPr>
+              <a:t>Отваряне на нова директория в </a:t>
             </a:r>
             <a:r>
               <a:rPr lang="en-US" sz="1400" dirty="0" err="1" smtClean="0">
                 <a:latin typeface="Arial" panose="020B0604020202020204" pitchFamily="34" charset="0"/>
                 <a:cs typeface="Arial" panose="020B0604020202020204" pitchFamily="34" charset="0"/>
               </a:rPr>
-              <a:t>pwm</a:t>
+              <a:t>github</a:t>
             </a:r>
             <a:r>
               <a:rPr lang="en-US" sz="1400" dirty="0" smtClean="0">
@@ -3966,228 +3932,63 @@
                 <a:latin typeface="Arial" panose="020B0604020202020204" pitchFamily="34" charset="0"/>
                 <a:cs typeface="Arial" panose="020B0604020202020204" pitchFamily="34" charset="0"/>
               </a:rPr>
-              <a:t>задвижване на моторите. </a:t>
-            </a:r>
-          </a:p>
-          <a:p>
-            <a:pPr marL="0" indent="0">
-              <a:buNone/>
+              <a:t>за целите на </a:t>
+            </a:r>
+            <a:r>
+              <a:rPr lang="bg-BG" sz="1400" dirty="0" smtClean="0">
+                <a:latin typeface="Arial" panose="020B0604020202020204" pitchFamily="34" charset="0"/>
+                <a:cs typeface="Arial" panose="020B0604020202020204" pitchFamily="34" charset="0"/>
+                <a:hlinkClick r:id="rId6"/>
+              </a:rPr>
+              <a:t>проекта</a:t>
+            </a:r>
+            <a:endParaRPr lang="bg-BG" sz="1400" dirty="0" smtClean="0">
+              <a:latin typeface="Arial" panose="020B0604020202020204" pitchFamily="34" charset="0"/>
+              <a:cs typeface="Arial" panose="020B0604020202020204" pitchFamily="34" charset="0"/>
+            </a:endParaRPr>
+          </a:p>
+          <a:p>
+            <a:pPr marL="342900" indent="-342900">
+              <a:buAutoNum type="arabicPeriod"/>
             </a:pPr>
             <a:r>
               <a:rPr lang="bg-BG" sz="1400" dirty="0" smtClean="0">
                 <a:latin typeface="Arial" panose="020B0604020202020204" pitchFamily="34" charset="0"/>
                 <a:cs typeface="Arial" panose="020B0604020202020204" pitchFamily="34" charset="0"/>
               </a:rPr>
-              <a:t>15. Имплементиране на логиката за завиване. Тестване върху различни повърхности и взимане на решение за задвижване моторите на 4 скорости осигуряващи плавност на спиране и потегляне</a:t>
-            </a:r>
-          </a:p>
-          <a:p>
-            <a:pPr marL="0" indent="0">
-              <a:buNone/>
+              <a:t>Интеграция на пристигналите компоненти и документиране на софтуерната архитектура – имена на компоненти, роля и дизайн</a:t>
+            </a:r>
+          </a:p>
+          <a:p>
+            <a:pPr marL="342900" indent="-342900">
+              <a:buAutoNum type="arabicPeriod"/>
             </a:pPr>
             <a:r>
               <a:rPr lang="bg-BG" sz="1400" dirty="0" smtClean="0">
                 <a:latin typeface="Arial" panose="020B0604020202020204" pitchFamily="34" charset="0"/>
                 <a:cs typeface="Arial" panose="020B0604020202020204" pitchFamily="34" charset="0"/>
               </a:rPr>
-              <a:t>16. Интегриране на сензора за измерване на разстояние и на </a:t>
-            </a:r>
-            <a:r>
-              <a:rPr lang="en-US" sz="1400" dirty="0" err="1" smtClean="0">
-                <a:latin typeface="Arial" panose="020B0604020202020204" pitchFamily="34" charset="0"/>
-                <a:cs typeface="Arial" panose="020B0604020202020204" pitchFamily="34" charset="0"/>
-              </a:rPr>
-              <a:t>lcd</a:t>
+              <a:t>Разучаване функционалността на джойстика и намиране подходящи параметри за нуждите на проекта</a:t>
+            </a:r>
+          </a:p>
+          <a:p>
+            <a:pPr marL="342900" indent="-342900">
+              <a:buAutoNum type="arabicPeriod"/>
+            </a:pPr>
+            <a:r>
+              <a:rPr lang="bg-BG" sz="1400" dirty="0" smtClean="0">
+                <a:latin typeface="Arial" panose="020B0604020202020204" pitchFamily="34" charset="0"/>
+                <a:cs typeface="Arial" panose="020B0604020202020204" pitchFamily="34" charset="0"/>
+              </a:rPr>
+              <a:t>Решаване проблема с навлажняване на сензора при употреба – добавяне на елемент изолатор към механиката с цел непротичане на ток по ръцете на потребителя ( </a:t>
             </a:r>
             <a:r>
               <a:rPr lang="en-US" sz="1400" dirty="0" smtClean="0">
                 <a:latin typeface="Arial" panose="020B0604020202020204" pitchFamily="34" charset="0"/>
                 <a:cs typeface="Arial" panose="020B0604020202020204" pitchFamily="34" charset="0"/>
               </a:rPr>
-              <a:t> </a:t>
-            </a:r>
-            <a:r>
-              <a:rPr lang="bg-BG" sz="1400" dirty="0" smtClean="0">
-                <a:latin typeface="Arial" panose="020B0604020202020204" pitchFamily="34" charset="0"/>
-                <a:cs typeface="Arial" panose="020B0604020202020204" pitchFamily="34" charset="0"/>
-              </a:rPr>
-              <a:t>дисплея – добавяне на поставки към закупената платформа – закрепване с карфици и обезопасяване на връхчетата</a:t>
-            </a:r>
-          </a:p>
-          <a:p>
-            <a:pPr marL="0" indent="0">
-              <a:buNone/>
-            </a:pPr>
-            <a:r>
-              <a:rPr lang="bg-BG" sz="1400" dirty="0" smtClean="0">
-                <a:latin typeface="Arial" panose="020B0604020202020204" pitchFamily="34" charset="0"/>
-                <a:cs typeface="Arial" panose="020B0604020202020204" pitchFamily="34" charset="0"/>
-              </a:rPr>
-              <a:t>17. Купуване на „правилни“ батерии – уви не с всички </a:t>
-            </a:r>
-            <a:r>
-              <a:rPr lang="en-US" sz="1400" dirty="0" smtClean="0">
-                <a:latin typeface="Arial" panose="020B0604020202020204" pitchFamily="34" charset="0"/>
-                <a:cs typeface="Arial" panose="020B0604020202020204" pitchFamily="34" charset="0"/>
-              </a:rPr>
-              <a:t>9V </a:t>
-            </a:r>
-            <a:r>
-              <a:rPr lang="bg-BG" sz="1400" dirty="0" smtClean="0">
-                <a:latin typeface="Arial" panose="020B0604020202020204" pitchFamily="34" charset="0"/>
-                <a:cs typeface="Arial" panose="020B0604020202020204" pitchFamily="34" charset="0"/>
-              </a:rPr>
-              <a:t>батерии задвижването става успешно. Намиране на подходящи видео-уроци относно това как да преценим заряда, който ни е нужен</a:t>
-            </a:r>
-          </a:p>
-          <a:p>
-            <a:pPr marL="0" indent="0">
-              <a:buNone/>
-            </a:pPr>
-            <a:r>
-              <a:rPr lang="bg-BG" sz="1400" dirty="0" smtClean="0">
-                <a:latin typeface="Arial" panose="020B0604020202020204" pitchFamily="34" charset="0"/>
-                <a:cs typeface="Arial" panose="020B0604020202020204" pitchFamily="34" charset="0"/>
-              </a:rPr>
-              <a:t>18. Имплементиране на </a:t>
-            </a:r>
-            <a:r>
-              <a:rPr lang="en-US" sz="1400" dirty="0" smtClean="0">
-                <a:latin typeface="Arial" panose="020B0604020202020204" pitchFamily="34" charset="0"/>
-                <a:cs typeface="Arial" panose="020B0604020202020204" pitchFamily="34" charset="0"/>
-              </a:rPr>
-              <a:t>trigger – echo </a:t>
-            </a:r>
-            <a:r>
-              <a:rPr lang="bg-BG" sz="1400" dirty="0" smtClean="0">
-                <a:latin typeface="Arial" panose="020B0604020202020204" pitchFamily="34" charset="0"/>
-                <a:cs typeface="Arial" panose="020B0604020202020204" pitchFamily="34" charset="0"/>
-              </a:rPr>
-              <a:t>функционалността и параметризиране на изходните резултати</a:t>
-            </a:r>
-          </a:p>
-          <a:p>
-            <a:pPr marL="0" indent="0">
-              <a:buNone/>
-            </a:pPr>
-            <a:r>
-              <a:rPr lang="bg-BG" sz="1400" dirty="0" smtClean="0">
-                <a:latin typeface="Arial" panose="020B0604020202020204" pitchFamily="34" charset="0"/>
-                <a:cs typeface="Arial" panose="020B0604020202020204" pitchFamily="34" charset="0"/>
-              </a:rPr>
-              <a:t>19. Имплементиране на детектор на колизии – състояния – тест, ок, препядствие, аларма</a:t>
-            </a:r>
-          </a:p>
-          <a:p>
-            <a:pPr marL="0" indent="0">
-              <a:buNone/>
-            </a:pPr>
-            <a:r>
-              <a:rPr lang="bg-BG" sz="1400" dirty="0" smtClean="0">
-                <a:latin typeface="Arial" panose="020B0604020202020204" pitchFamily="34" charset="0"/>
-                <a:cs typeface="Arial" panose="020B0604020202020204" pitchFamily="34" charset="0"/>
-              </a:rPr>
-              <a:t>20. Проучване относно комуникация на </a:t>
-            </a:r>
-            <a:r>
-              <a:rPr lang="en-US" sz="1400" dirty="0" smtClean="0">
-                <a:latin typeface="Arial" panose="020B0604020202020204" pitchFamily="34" charset="0"/>
-                <a:cs typeface="Arial" panose="020B0604020202020204" pitchFamily="34" charset="0"/>
-              </a:rPr>
-              <a:t>LCD </a:t>
-            </a:r>
-            <a:r>
-              <a:rPr lang="bg-BG" sz="1400" dirty="0" smtClean="0">
-                <a:latin typeface="Arial" panose="020B0604020202020204" pitchFamily="34" charset="0"/>
-                <a:cs typeface="Arial" panose="020B0604020202020204" pitchFamily="34" charset="0"/>
-              </a:rPr>
-              <a:t>използвайки </a:t>
-            </a:r>
-            <a:r>
-              <a:rPr lang="en-US" sz="1400" dirty="0" smtClean="0">
-                <a:latin typeface="Arial" panose="020B0604020202020204" pitchFamily="34" charset="0"/>
-                <a:cs typeface="Arial" panose="020B0604020202020204" pitchFamily="34" charset="0"/>
-              </a:rPr>
-              <a:t>I2C</a:t>
-            </a:r>
-          </a:p>
-          <a:p>
-            <a:pPr marL="0" indent="0">
-              <a:buNone/>
-            </a:pPr>
-            <a:r>
-              <a:rPr lang="en-US" sz="1400" dirty="0" smtClean="0">
-                <a:latin typeface="Arial" panose="020B0604020202020204" pitchFamily="34" charset="0"/>
-                <a:cs typeface="Arial" panose="020B0604020202020204" pitchFamily="34" charset="0"/>
-              </a:rPr>
-              <a:t>21. </a:t>
-            </a:r>
-            <a:r>
-              <a:rPr lang="bg-BG" sz="1400" dirty="0" smtClean="0">
-                <a:latin typeface="Arial" panose="020B0604020202020204" pitchFamily="34" charset="0"/>
-                <a:cs typeface="Arial" panose="020B0604020202020204" pitchFamily="34" charset="0"/>
-              </a:rPr>
-              <a:t>Дизайн на изхода на екрана – какъв тип информация да покажем на потребителя и как да я разположим</a:t>
-            </a:r>
-          </a:p>
-          <a:p>
-            <a:pPr marL="0" indent="0">
-              <a:buNone/>
-            </a:pPr>
-            <a:r>
-              <a:rPr lang="bg-BG" sz="1400" dirty="0" smtClean="0">
-                <a:latin typeface="Arial" panose="020B0604020202020204" pitchFamily="34" charset="0"/>
-                <a:cs typeface="Arial" panose="020B0604020202020204" pitchFamily="34" charset="0"/>
-              </a:rPr>
-              <a:t>22. Тест и калибрация – подходящи стойности за </a:t>
-            </a:r>
-            <a:r>
-              <a:rPr lang="en-US" sz="1400" dirty="0" smtClean="0">
-                <a:latin typeface="Arial" panose="020B0604020202020204" pitchFamily="34" charset="0"/>
-                <a:cs typeface="Arial" panose="020B0604020202020204" pitchFamily="34" charset="0"/>
-              </a:rPr>
-              <a:t>: </a:t>
-            </a:r>
-            <a:r>
-              <a:rPr lang="en-US" sz="1400" dirty="0" err="1" smtClean="0">
-                <a:latin typeface="Arial" panose="020B0604020202020204" pitchFamily="34" charset="0"/>
-                <a:cs typeface="Arial" panose="020B0604020202020204" pitchFamily="34" charset="0"/>
-              </a:rPr>
-              <a:t>pwm</a:t>
-            </a:r>
-            <a:r>
-              <a:rPr lang="en-US" sz="1400" dirty="0" smtClean="0">
-                <a:latin typeface="Arial" panose="020B0604020202020204" pitchFamily="34" charset="0"/>
-                <a:cs typeface="Arial" panose="020B0604020202020204" pitchFamily="34" charset="0"/>
-              </a:rPr>
-              <a:t> </a:t>
-            </a:r>
-            <a:r>
-              <a:rPr lang="bg-BG" sz="1400" dirty="0" smtClean="0">
-                <a:latin typeface="Arial" panose="020B0604020202020204" pitchFamily="34" charset="0"/>
-                <a:cs typeface="Arial" panose="020B0604020202020204" pitchFamily="34" charset="0"/>
-              </a:rPr>
-              <a:t>при различните скорости, подходящи изчаквания и закъснения при </a:t>
-            </a:r>
-            <a:r>
-              <a:rPr lang="en-US" sz="1400" dirty="0" smtClean="0">
-                <a:latin typeface="Arial" panose="020B0604020202020204" pitchFamily="34" charset="0"/>
-                <a:cs typeface="Arial" panose="020B0604020202020204" pitchFamily="34" charset="0"/>
-              </a:rPr>
-              <a:t>i2c </a:t>
-            </a:r>
-            <a:r>
-              <a:rPr lang="bg-BG" sz="1400" dirty="0" smtClean="0">
-                <a:latin typeface="Arial" panose="020B0604020202020204" pitchFamily="34" charset="0"/>
-                <a:cs typeface="Arial" panose="020B0604020202020204" pitchFamily="34" charset="0"/>
-              </a:rPr>
-              <a:t>комуникация, стойности адресирани към сензора за разстояние който да индикират риск, минимални и максимални стойности и реакция при тях</a:t>
-            </a:r>
-          </a:p>
-          <a:p>
-            <a:pPr marL="0" indent="0">
-              <a:buNone/>
-            </a:pPr>
+              <a:t>idiot prove re-design )</a:t>
+            </a:r>
             <a:endParaRPr lang="en-US" sz="1400" dirty="0">
               <a:latin typeface="Arial" panose="020B0604020202020204" pitchFamily="34" charset="0"/>
               <a:cs typeface="Arial" panose="020B0604020202020204" pitchFamily="34" charset="0"/>
@@ -4198,7 +3999,7 @@
     </p:spTree>
     <p:extLst>
       <p:ext uri="{BB962C8B-B14F-4D97-AF65-F5344CB8AC3E}">
-        <p14:creationId xmlns:p14="http://schemas.microsoft.com/office/powerpoint/2010/main" val="1285716029"/>
+        <p14:creationId xmlns:p14="http://schemas.microsoft.com/office/powerpoint/2010/main" val="1376139388"/>
       </p:ext>
     </p:extLst>
   </p:cSld>
@@ -4238,16 +4039,18 @@
         <p:spPr>
           <a:xfrm>
             <a:off x="838200" y="365125"/>
-            <a:ext cx="10515600" cy="743239"/>
+            <a:ext cx="10515600" cy="595457"/>
           </a:xfrm>
         </p:spPr>
         <p:txBody>
-          <a:bodyPr/>
+          <a:bodyPr>
+            <a:normAutofit fontScale="90000"/>
+          </a:bodyPr>
           <a:lstStyle/>
           <a:p>
             <a:r>
               <a:rPr lang="bg-BG" dirty="0" smtClean="0"/>
-              <a:t>Допълнителни действия</a:t>
+              <a:t>По-важни етапи от изпълнението - Стъпки</a:t>
             </a:r>
             <a:endParaRPr lang="en-US" dirty="0"/>
           </a:p>
@@ -4265,116 +4068,408 @@
         </p:nvSpPr>
         <p:spPr>
           <a:xfrm>
-            <a:off x="838200" y="1108364"/>
-            <a:ext cx="10515600" cy="5068599"/>
+            <a:off x="838200" y="960582"/>
+            <a:ext cx="10515600" cy="5216381"/>
           </a:xfrm>
         </p:spPr>
         <p:txBody>
           <a:bodyPr>
-            <a:normAutofit fontScale="92500"/>
+            <a:normAutofit/>
           </a:bodyPr>
           <a:lstStyle/>
           <a:p>
+            <a:pPr marL="342900" indent="-342900">
+              <a:buFont typeface="+mj-lt"/>
+              <a:buAutoNum type="arabicPeriod" startAt="14"/>
+            </a:pPr>
+            <a:r>
+              <a:rPr lang="bg-BG" sz="1400" dirty="0" smtClean="0">
+                <a:latin typeface="Arial" panose="020B0604020202020204" pitchFamily="34" charset="0"/>
+                <a:cs typeface="Arial" panose="020B0604020202020204" pitchFamily="34" charset="0"/>
+              </a:rPr>
+              <a:t>Разрешаване </a:t>
+            </a:r>
+            <a:r>
+              <a:rPr lang="bg-BG" sz="1400" dirty="0">
+                <a:latin typeface="Arial" panose="020B0604020202020204" pitchFamily="34" charset="0"/>
+                <a:cs typeface="Arial" panose="020B0604020202020204" pitchFamily="34" charset="0"/>
+              </a:rPr>
+              <a:t>на два блокиращи проблема – как да работя с количката без да се налага да я гоня докато тествам ( благодарности на </a:t>
+            </a:r>
+            <a:r>
+              <a:rPr lang="en-US" sz="1400" dirty="0" err="1">
+                <a:latin typeface="Arial" panose="020B0604020202020204" pitchFamily="34" charset="0"/>
+                <a:cs typeface="Arial" panose="020B0604020202020204" pitchFamily="34" charset="0"/>
+              </a:rPr>
+              <a:t>youtube</a:t>
+            </a:r>
+            <a:r>
+              <a:rPr lang="en-US" sz="1400" dirty="0">
+                <a:latin typeface="Arial" panose="020B0604020202020204" pitchFamily="34" charset="0"/>
+                <a:cs typeface="Arial" panose="020B0604020202020204" pitchFamily="34" charset="0"/>
+              </a:rPr>
+              <a:t> </a:t>
+            </a:r>
+            <a:r>
+              <a:rPr lang="bg-BG" sz="1400" dirty="0">
+                <a:latin typeface="Arial" panose="020B0604020202020204" pitchFamily="34" charset="0"/>
+                <a:cs typeface="Arial" panose="020B0604020202020204" pitchFamily="34" charset="0"/>
+              </a:rPr>
+              <a:t>за идеята да ползвам чаши за чай ) и как да осигуря ползването на пинове, завързани към Таймер 1</a:t>
+            </a:r>
+          </a:p>
+          <a:p>
+            <a:pPr marL="342900" indent="-342900">
+              <a:buFont typeface="+mj-lt"/>
+              <a:buAutoNum type="arabicPeriod" startAt="14"/>
+            </a:pPr>
+            <a:r>
+              <a:rPr lang="bg-BG" sz="1400" dirty="0" smtClean="0">
+                <a:latin typeface="Arial" panose="020B0604020202020204" pitchFamily="34" charset="0"/>
+                <a:cs typeface="Arial" panose="020B0604020202020204" pitchFamily="34" charset="0"/>
+              </a:rPr>
+              <a:t>Намиране </a:t>
+            </a:r>
+            <a:r>
+              <a:rPr lang="bg-BG" sz="1400" dirty="0" smtClean="0">
+                <a:latin typeface="Arial" panose="020B0604020202020204" pitchFamily="34" charset="0"/>
+                <a:cs typeface="Arial" panose="020B0604020202020204" pitchFamily="34" charset="0"/>
+              </a:rPr>
+              <a:t>подходящо разпределение работата на таймера. Кога да се използва за скеджулиране и кога за </a:t>
+            </a:r>
+            <a:r>
+              <a:rPr lang="en-US" sz="1400" dirty="0" err="1" smtClean="0">
+                <a:latin typeface="Arial" panose="020B0604020202020204" pitchFamily="34" charset="0"/>
+                <a:cs typeface="Arial" panose="020B0604020202020204" pitchFamily="34" charset="0"/>
+              </a:rPr>
+              <a:t>pwm</a:t>
+            </a:r>
+            <a:r>
+              <a:rPr lang="en-US" sz="1400" dirty="0" smtClean="0">
+                <a:latin typeface="Arial" panose="020B0604020202020204" pitchFamily="34" charset="0"/>
+                <a:cs typeface="Arial" panose="020B0604020202020204" pitchFamily="34" charset="0"/>
+              </a:rPr>
+              <a:t> </a:t>
+            </a:r>
+            <a:r>
+              <a:rPr lang="bg-BG" sz="1400" dirty="0" smtClean="0">
+                <a:latin typeface="Arial" panose="020B0604020202020204" pitchFamily="34" charset="0"/>
+                <a:cs typeface="Arial" panose="020B0604020202020204" pitchFamily="34" charset="0"/>
+              </a:rPr>
+              <a:t>задвижване на моторите. </a:t>
+            </a:r>
+          </a:p>
+          <a:p>
+            <a:pPr marL="342900" indent="-342900">
+              <a:buFont typeface="+mj-lt"/>
+              <a:buAutoNum type="arabicPeriod" startAt="14"/>
+            </a:pPr>
+            <a:r>
+              <a:rPr lang="bg-BG" sz="1400" dirty="0" smtClean="0">
+                <a:latin typeface="Arial" panose="020B0604020202020204" pitchFamily="34" charset="0"/>
+                <a:cs typeface="Arial" panose="020B0604020202020204" pitchFamily="34" charset="0"/>
+              </a:rPr>
+              <a:t>Имплементиране </a:t>
+            </a:r>
+            <a:r>
+              <a:rPr lang="bg-BG" sz="1400" dirty="0" smtClean="0">
+                <a:latin typeface="Arial" panose="020B0604020202020204" pitchFamily="34" charset="0"/>
+                <a:cs typeface="Arial" panose="020B0604020202020204" pitchFamily="34" charset="0"/>
+              </a:rPr>
+              <a:t>на логиката за завиване. Тестване върху различни повърхности и взимане на решение за задвижване моторите на 4 скорости осигуряващи плавност на спиране и потегляне</a:t>
+            </a:r>
+          </a:p>
+          <a:p>
+            <a:pPr marL="342900" indent="-342900">
+              <a:buFont typeface="+mj-lt"/>
+              <a:buAutoNum type="arabicPeriod" startAt="14"/>
+            </a:pPr>
+            <a:r>
+              <a:rPr lang="bg-BG" sz="1400" dirty="0" smtClean="0">
+                <a:latin typeface="Arial" panose="020B0604020202020204" pitchFamily="34" charset="0"/>
+                <a:cs typeface="Arial" panose="020B0604020202020204" pitchFamily="34" charset="0"/>
+              </a:rPr>
+              <a:t>Интегриране </a:t>
+            </a:r>
+            <a:r>
+              <a:rPr lang="bg-BG" sz="1400" dirty="0" smtClean="0">
+                <a:latin typeface="Arial" panose="020B0604020202020204" pitchFamily="34" charset="0"/>
+                <a:cs typeface="Arial" panose="020B0604020202020204" pitchFamily="34" charset="0"/>
+              </a:rPr>
+              <a:t>на сензора за измерване на разстояние и на </a:t>
+            </a:r>
+            <a:r>
+              <a:rPr lang="en-US" sz="1400" dirty="0" err="1" smtClean="0">
+                <a:latin typeface="Arial" panose="020B0604020202020204" pitchFamily="34" charset="0"/>
+                <a:cs typeface="Arial" panose="020B0604020202020204" pitchFamily="34" charset="0"/>
+              </a:rPr>
+              <a:t>lcd</a:t>
+            </a:r>
+            <a:r>
+              <a:rPr lang="en-US" sz="1400" dirty="0" smtClean="0">
+                <a:latin typeface="Arial" panose="020B0604020202020204" pitchFamily="34" charset="0"/>
+                <a:cs typeface="Arial" panose="020B0604020202020204" pitchFamily="34" charset="0"/>
+              </a:rPr>
+              <a:t> </a:t>
+            </a:r>
+            <a:r>
+              <a:rPr lang="bg-BG" sz="1400" dirty="0" smtClean="0">
+                <a:latin typeface="Arial" panose="020B0604020202020204" pitchFamily="34" charset="0"/>
+                <a:cs typeface="Arial" panose="020B0604020202020204" pitchFamily="34" charset="0"/>
+              </a:rPr>
+              <a:t>дисплея – добавяне на поставки към закупената платформа – закрепване с карфици и обезопасяване на връхчетата</a:t>
+            </a:r>
+          </a:p>
+          <a:p>
+            <a:pPr marL="342900" indent="-342900">
+              <a:buFont typeface="+mj-lt"/>
+              <a:buAutoNum type="arabicPeriod" startAt="14"/>
+            </a:pPr>
+            <a:r>
+              <a:rPr lang="bg-BG" sz="1400" dirty="0" smtClean="0">
+                <a:latin typeface="Arial" panose="020B0604020202020204" pitchFamily="34" charset="0"/>
+                <a:cs typeface="Arial" panose="020B0604020202020204" pitchFamily="34" charset="0"/>
+              </a:rPr>
+              <a:t>Купуване </a:t>
+            </a:r>
+            <a:r>
+              <a:rPr lang="bg-BG" sz="1400" dirty="0" smtClean="0">
+                <a:latin typeface="Arial" panose="020B0604020202020204" pitchFamily="34" charset="0"/>
+                <a:cs typeface="Arial" panose="020B0604020202020204" pitchFamily="34" charset="0"/>
+              </a:rPr>
+              <a:t>на „правилни“ батерии – уви не с всички </a:t>
+            </a:r>
+            <a:r>
+              <a:rPr lang="en-US" sz="1400" dirty="0" smtClean="0">
+                <a:latin typeface="Arial" panose="020B0604020202020204" pitchFamily="34" charset="0"/>
+                <a:cs typeface="Arial" panose="020B0604020202020204" pitchFamily="34" charset="0"/>
+              </a:rPr>
+              <a:t>9V </a:t>
+            </a:r>
+            <a:r>
+              <a:rPr lang="bg-BG" sz="1400" dirty="0" smtClean="0">
+                <a:latin typeface="Arial" panose="020B0604020202020204" pitchFamily="34" charset="0"/>
+                <a:cs typeface="Arial" panose="020B0604020202020204" pitchFamily="34" charset="0"/>
+              </a:rPr>
+              <a:t>батерии задвижването става успешно. Намиране на подходящи видео-уроци относно това как да преценим заряда, който ни е нужен</a:t>
+            </a:r>
+          </a:p>
+          <a:p>
+            <a:pPr marL="342900" indent="-342900">
+              <a:buFont typeface="+mj-lt"/>
+              <a:buAutoNum type="arabicPeriod" startAt="14"/>
+            </a:pPr>
+            <a:r>
+              <a:rPr lang="bg-BG" sz="1400" dirty="0" smtClean="0">
+                <a:latin typeface="Arial" panose="020B0604020202020204" pitchFamily="34" charset="0"/>
+                <a:cs typeface="Arial" panose="020B0604020202020204" pitchFamily="34" charset="0"/>
+              </a:rPr>
+              <a:t>Имплементиране </a:t>
+            </a:r>
+            <a:r>
+              <a:rPr lang="bg-BG" sz="1400" dirty="0" smtClean="0">
+                <a:latin typeface="Arial" panose="020B0604020202020204" pitchFamily="34" charset="0"/>
+                <a:cs typeface="Arial" panose="020B0604020202020204" pitchFamily="34" charset="0"/>
+              </a:rPr>
+              <a:t>на </a:t>
+            </a:r>
+            <a:r>
+              <a:rPr lang="en-US" sz="1400" dirty="0" smtClean="0">
+                <a:latin typeface="Arial" panose="020B0604020202020204" pitchFamily="34" charset="0"/>
+                <a:cs typeface="Arial" panose="020B0604020202020204" pitchFamily="34" charset="0"/>
+              </a:rPr>
+              <a:t>trigger – echo </a:t>
+            </a:r>
+            <a:r>
+              <a:rPr lang="bg-BG" sz="1400" dirty="0" smtClean="0">
+                <a:latin typeface="Arial" panose="020B0604020202020204" pitchFamily="34" charset="0"/>
+                <a:cs typeface="Arial" panose="020B0604020202020204" pitchFamily="34" charset="0"/>
+              </a:rPr>
+              <a:t>функционалността и параметризиране на изходните резултати</a:t>
+            </a:r>
+          </a:p>
+          <a:p>
+            <a:pPr marL="342900" indent="-342900">
+              <a:buFont typeface="+mj-lt"/>
+              <a:buAutoNum type="arabicPeriod" startAt="14"/>
+            </a:pPr>
+            <a:r>
+              <a:rPr lang="bg-BG" sz="1400" dirty="0" smtClean="0">
+                <a:latin typeface="Arial" panose="020B0604020202020204" pitchFamily="34" charset="0"/>
+                <a:cs typeface="Arial" panose="020B0604020202020204" pitchFamily="34" charset="0"/>
+              </a:rPr>
+              <a:t>Имплементиране </a:t>
+            </a:r>
+            <a:r>
+              <a:rPr lang="bg-BG" sz="1400" dirty="0" smtClean="0">
+                <a:latin typeface="Arial" panose="020B0604020202020204" pitchFamily="34" charset="0"/>
+                <a:cs typeface="Arial" panose="020B0604020202020204" pitchFamily="34" charset="0"/>
+              </a:rPr>
+              <a:t>на детектор на колизии – състояния – тест, ок, препядствие, </a:t>
+            </a:r>
+            <a:r>
+              <a:rPr lang="bg-BG" sz="1400" dirty="0" smtClean="0">
+                <a:latin typeface="Arial" panose="020B0604020202020204" pitchFamily="34" charset="0"/>
+                <a:cs typeface="Arial" panose="020B0604020202020204" pitchFamily="34" charset="0"/>
+              </a:rPr>
+              <a:t>аларма</a:t>
+            </a:r>
+          </a:p>
+          <a:p>
+            <a:pPr marL="342900" indent="-342900">
+              <a:buFont typeface="+mj-lt"/>
+              <a:buAutoNum type="arabicPeriod" startAt="14"/>
+            </a:pPr>
+            <a:r>
+              <a:rPr lang="bg-BG" sz="1400" dirty="0" smtClean="0">
+                <a:latin typeface="Arial" panose="020B0604020202020204" pitchFamily="34" charset="0"/>
+                <a:cs typeface="Arial" panose="020B0604020202020204" pitchFamily="34" charset="0"/>
+              </a:rPr>
+              <a:t>Синхронизиране на клаксон и аларма ползвана при засичане на колизии – в различни режими различна функция поема контрола върху изключването</a:t>
+            </a:r>
+            <a:endParaRPr lang="bg-BG" sz="1400" dirty="0" smtClean="0">
+              <a:latin typeface="Arial" panose="020B0604020202020204" pitchFamily="34" charset="0"/>
+              <a:cs typeface="Arial" panose="020B0604020202020204" pitchFamily="34" charset="0"/>
+            </a:endParaRPr>
+          </a:p>
+          <a:p>
+            <a:pPr marL="342900" indent="-342900">
+              <a:buFont typeface="+mj-lt"/>
+              <a:buAutoNum type="arabicPeriod" startAt="14"/>
+            </a:pPr>
+            <a:r>
+              <a:rPr lang="bg-BG" sz="1400" dirty="0" smtClean="0">
+                <a:latin typeface="Arial" panose="020B0604020202020204" pitchFamily="34" charset="0"/>
+                <a:cs typeface="Arial" panose="020B0604020202020204" pitchFamily="34" charset="0"/>
+              </a:rPr>
+              <a:t>Проучване </a:t>
+            </a:r>
+            <a:r>
+              <a:rPr lang="bg-BG" sz="1400" dirty="0" smtClean="0">
+                <a:latin typeface="Arial" panose="020B0604020202020204" pitchFamily="34" charset="0"/>
+                <a:cs typeface="Arial" panose="020B0604020202020204" pitchFamily="34" charset="0"/>
+              </a:rPr>
+              <a:t>относно комуникация на </a:t>
+            </a:r>
+            <a:r>
+              <a:rPr lang="en-US" sz="1400" dirty="0" smtClean="0">
+                <a:latin typeface="Arial" panose="020B0604020202020204" pitchFamily="34" charset="0"/>
+                <a:cs typeface="Arial" panose="020B0604020202020204" pitchFamily="34" charset="0"/>
+              </a:rPr>
+              <a:t>LCD </a:t>
+            </a:r>
+            <a:r>
+              <a:rPr lang="bg-BG" sz="1400" dirty="0" smtClean="0">
+                <a:latin typeface="Arial" panose="020B0604020202020204" pitchFamily="34" charset="0"/>
+                <a:cs typeface="Arial" panose="020B0604020202020204" pitchFamily="34" charset="0"/>
+              </a:rPr>
+              <a:t>използвайки </a:t>
+            </a:r>
+            <a:r>
+              <a:rPr lang="en-US" sz="1400" dirty="0" smtClean="0">
+                <a:latin typeface="Arial" panose="020B0604020202020204" pitchFamily="34" charset="0"/>
+                <a:cs typeface="Arial" panose="020B0604020202020204" pitchFamily="34" charset="0"/>
+              </a:rPr>
+              <a:t>I2C</a:t>
+            </a:r>
+          </a:p>
+          <a:p>
+            <a:pPr marL="342900" indent="-342900">
+              <a:buFont typeface="+mj-lt"/>
+              <a:buAutoNum type="arabicPeriod" startAt="14"/>
+            </a:pPr>
+            <a:r>
+              <a:rPr lang="bg-BG" sz="1400" dirty="0" smtClean="0">
+                <a:latin typeface="Arial" panose="020B0604020202020204" pitchFamily="34" charset="0"/>
+                <a:cs typeface="Arial" panose="020B0604020202020204" pitchFamily="34" charset="0"/>
+              </a:rPr>
+              <a:t>Дизайн </a:t>
+            </a:r>
+            <a:r>
+              <a:rPr lang="bg-BG" sz="1400" dirty="0" smtClean="0">
+                <a:latin typeface="Arial" panose="020B0604020202020204" pitchFamily="34" charset="0"/>
+                <a:cs typeface="Arial" panose="020B0604020202020204" pitchFamily="34" charset="0"/>
+              </a:rPr>
+              <a:t>на изхода на екрана – какъв тип информация да покажем на потребителя и как да я разположим</a:t>
+            </a:r>
+          </a:p>
+          <a:p>
+            <a:pPr marL="342900" indent="-342900">
+              <a:buFont typeface="+mj-lt"/>
+              <a:buAutoNum type="arabicPeriod" startAt="14"/>
+            </a:pPr>
+            <a:r>
+              <a:rPr lang="bg-BG" sz="1400" dirty="0" smtClean="0">
+                <a:latin typeface="Arial" panose="020B0604020202020204" pitchFamily="34" charset="0"/>
+                <a:cs typeface="Arial" panose="020B0604020202020204" pitchFamily="34" charset="0"/>
+              </a:rPr>
+              <a:t>Тест </a:t>
+            </a:r>
+            <a:r>
+              <a:rPr lang="bg-BG" sz="1400" dirty="0" smtClean="0">
+                <a:latin typeface="Arial" panose="020B0604020202020204" pitchFamily="34" charset="0"/>
+                <a:cs typeface="Arial" panose="020B0604020202020204" pitchFamily="34" charset="0"/>
+              </a:rPr>
+              <a:t>и калибрация – подходящи стойности за </a:t>
+            </a:r>
+            <a:r>
+              <a:rPr lang="en-US" sz="1400" dirty="0" smtClean="0">
+                <a:latin typeface="Arial" panose="020B0604020202020204" pitchFamily="34" charset="0"/>
+                <a:cs typeface="Arial" panose="020B0604020202020204" pitchFamily="34" charset="0"/>
+              </a:rPr>
+              <a:t>: </a:t>
+            </a:r>
+            <a:r>
+              <a:rPr lang="en-US" sz="1400" dirty="0" err="1" smtClean="0">
+                <a:latin typeface="Arial" panose="020B0604020202020204" pitchFamily="34" charset="0"/>
+                <a:cs typeface="Arial" panose="020B0604020202020204" pitchFamily="34" charset="0"/>
+              </a:rPr>
+              <a:t>pwm</a:t>
+            </a:r>
+            <a:r>
+              <a:rPr lang="en-US" sz="1400" dirty="0" smtClean="0">
+                <a:latin typeface="Arial" panose="020B0604020202020204" pitchFamily="34" charset="0"/>
+                <a:cs typeface="Arial" panose="020B0604020202020204" pitchFamily="34" charset="0"/>
+              </a:rPr>
+              <a:t> </a:t>
+            </a:r>
+            <a:r>
+              <a:rPr lang="bg-BG" sz="1400" dirty="0" smtClean="0">
+                <a:latin typeface="Arial" panose="020B0604020202020204" pitchFamily="34" charset="0"/>
+                <a:cs typeface="Arial" panose="020B0604020202020204" pitchFamily="34" charset="0"/>
+              </a:rPr>
+              <a:t>при различните скорости, подходящи изчаквания и закъснения при </a:t>
+            </a:r>
+            <a:r>
+              <a:rPr lang="en-US" sz="1400" dirty="0" smtClean="0">
+                <a:latin typeface="Arial" panose="020B0604020202020204" pitchFamily="34" charset="0"/>
+                <a:cs typeface="Arial" panose="020B0604020202020204" pitchFamily="34" charset="0"/>
+              </a:rPr>
+              <a:t>i2c </a:t>
+            </a:r>
+            <a:r>
+              <a:rPr lang="bg-BG" sz="1400" dirty="0" smtClean="0">
+                <a:latin typeface="Arial" panose="020B0604020202020204" pitchFamily="34" charset="0"/>
+                <a:cs typeface="Arial" panose="020B0604020202020204" pitchFamily="34" charset="0"/>
+              </a:rPr>
+              <a:t>комуникация, стойности адресирани към сензора за разстояние който да индикират риск, минимални и максимални стойности и реакция при тях</a:t>
+            </a:r>
+          </a:p>
+          <a:p>
             <a:pPr marL="0" indent="0">
               <a:buNone/>
             </a:pPr>
-            <a:r>
-              <a:rPr lang="bg-BG" dirty="0" smtClean="0"/>
-              <a:t>1. Да </a:t>
-            </a:r>
-            <a:r>
-              <a:rPr lang="bg-BG" dirty="0" smtClean="0"/>
-              <a:t>кача тестовете – код и рапорт в базата, където съхранявам кода</a:t>
-            </a:r>
-          </a:p>
-          <a:p>
-            <a:pPr marL="0" indent="0">
-              <a:buNone/>
-            </a:pPr>
-            <a:r>
-              <a:rPr lang="bg-BG" dirty="0" smtClean="0"/>
-              <a:t>2. Да </a:t>
-            </a:r>
-            <a:r>
-              <a:rPr lang="bg-BG" dirty="0" smtClean="0"/>
-              <a:t>използвам инструмент за статичен анализ на кода, който да проверява преди качване в базата</a:t>
-            </a:r>
-          </a:p>
-          <a:p>
-            <a:pPr marL="0" indent="0">
-              <a:buNone/>
-            </a:pPr>
-            <a:r>
-              <a:rPr lang="bg-BG" dirty="0" smtClean="0"/>
-              <a:t>3. Да </a:t>
-            </a:r>
-            <a:r>
-              <a:rPr lang="bg-BG" dirty="0" smtClean="0"/>
-              <a:t>използвам система за юнит – тестове с цел намаляване на регресиите и подобряване качеството и по-лесната поддръжка</a:t>
-            </a:r>
-          </a:p>
-          <a:p>
-            <a:pPr marL="0" indent="0">
-              <a:buNone/>
-            </a:pPr>
-            <a:r>
-              <a:rPr lang="bg-BG" dirty="0" smtClean="0"/>
-              <a:t>4. Да </a:t>
-            </a:r>
-            <a:r>
-              <a:rPr lang="bg-BG" dirty="0" smtClean="0"/>
-              <a:t>помисля за още една стъпка в посока на автономното шофиране – може ли да се имплементира блокиране на моторите в случай, че сензора е доловил близък предмет, в който ще се блъснем</a:t>
-            </a:r>
-          </a:p>
-          <a:p>
-            <a:pPr marL="0" indent="0">
-              <a:buNone/>
-            </a:pPr>
-            <a:r>
-              <a:rPr lang="bg-BG" dirty="0" smtClean="0"/>
-              <a:t>5. Да </a:t>
-            </a:r>
-            <a:r>
-              <a:rPr lang="bg-BG" dirty="0" smtClean="0"/>
-              <a:t>премахна извикванията на </a:t>
-            </a:r>
-            <a:r>
-              <a:rPr lang="en-US" dirty="0" smtClean="0"/>
-              <a:t>“</a:t>
-            </a:r>
-            <a:r>
-              <a:rPr lang="en-US" dirty="0" err="1" smtClean="0"/>
-              <a:t>delayMicroseconds</a:t>
-            </a:r>
-            <a:r>
-              <a:rPr lang="en-US" dirty="0" smtClean="0"/>
-              <a:t>” </a:t>
-            </a:r>
-            <a:r>
-              <a:rPr lang="bg-BG" dirty="0" smtClean="0"/>
-              <a:t>и да ги заместя с обръщения към вътрешните таймери</a:t>
-            </a:r>
-          </a:p>
-          <a:p>
-            <a:pPr marL="0" indent="0">
-              <a:buNone/>
-            </a:pPr>
-            <a:r>
-              <a:rPr lang="bg-BG" dirty="0" smtClean="0"/>
-              <a:t>6. Да </a:t>
-            </a:r>
-            <a:r>
-              <a:rPr lang="bg-BG" dirty="0" smtClean="0"/>
-              <a:t>запоя кабел удължение на джойстика с цел да не стои потребителя наведен докато управлява количката</a:t>
-            </a:r>
-            <a:endParaRPr lang="en-US" dirty="0"/>
+            <a:endParaRPr lang="en-US" sz="1400" dirty="0">
+              <a:latin typeface="Arial" panose="020B0604020202020204" pitchFamily="34" charset="0"/>
+              <a:cs typeface="Arial" panose="020B0604020202020204" pitchFamily="34" charset="0"/>
+            </a:endParaRPr>
           </a:p>
         </p:txBody>
       </p:sp>
     </p:spTree>
     <p:extLst>
       <p:ext uri="{BB962C8B-B14F-4D97-AF65-F5344CB8AC3E}">
-        <p14:creationId xmlns:p14="http://schemas.microsoft.com/office/powerpoint/2010/main" val="3205025619"/>
+        <p14:creationId xmlns:p14="http://schemas.microsoft.com/office/powerpoint/2010/main" val="1285716029"/>
       </p:ext>
     </p:extLst>
   </p:cSld>
@@ -4413,7 +4508,7 @@
         </p:nvSpPr>
         <p:spPr>
           <a:xfrm>
-            <a:off x="838200" y="365125"/>
+            <a:off x="838200" y="225977"/>
             <a:ext cx="10515600" cy="743239"/>
           </a:xfrm>
         </p:spPr>
@@ -4441,8 +4536,8 @@
         </p:nvSpPr>
         <p:spPr>
           <a:xfrm>
-            <a:off x="838200" y="1108364"/>
-            <a:ext cx="10515600" cy="5292436"/>
+            <a:off x="838200" y="1108365"/>
+            <a:ext cx="10515600" cy="4785540"/>
           </a:xfrm>
         </p:spPr>
         <p:txBody>
@@ -4451,80 +4546,165 @@
           </a:bodyPr>
           <a:lstStyle/>
           <a:p>
+            <a:r>
+              <a:rPr lang="bg-BG" sz="2000" dirty="0" smtClean="0"/>
+              <a:t>Да </a:t>
+            </a:r>
+            <a:r>
+              <a:rPr lang="bg-BG" sz="2000" dirty="0" smtClean="0"/>
+              <a:t>кача тестовете – код и рапорт в базата, където съхранявам кода</a:t>
+            </a:r>
+          </a:p>
+          <a:p>
+            <a:r>
+              <a:rPr lang="bg-BG" sz="2000" dirty="0" smtClean="0"/>
+              <a:t>Да </a:t>
+            </a:r>
+            <a:r>
+              <a:rPr lang="bg-BG" sz="2000" dirty="0" smtClean="0"/>
+              <a:t>използвам инструмент за статичен анализ на кода, който да проверява преди качване в базата</a:t>
+            </a:r>
+          </a:p>
+          <a:p>
+            <a:r>
+              <a:rPr lang="bg-BG" sz="2000" dirty="0" smtClean="0"/>
+              <a:t>Да </a:t>
+            </a:r>
+            <a:r>
+              <a:rPr lang="bg-BG" sz="2000" dirty="0" smtClean="0"/>
+              <a:t>използвам система за юнит – тестове с цел намаляване на регресиите и подобряване качеството и по-лесната поддръжка</a:t>
+            </a:r>
+          </a:p>
+          <a:p>
+            <a:r>
+              <a:rPr lang="bg-BG" sz="2000" dirty="0" smtClean="0"/>
+              <a:t>Да </a:t>
+            </a:r>
+            <a:r>
+              <a:rPr lang="bg-BG" sz="2000" dirty="0" smtClean="0"/>
+              <a:t>помисля за още една стъпка в посока на автономното шофиране – може ли да се имплементира блокиране на моторите в случай, че сензора е доловил близък предмет, в който ще се блъснем</a:t>
+            </a:r>
+          </a:p>
+          <a:p>
+            <a:r>
+              <a:rPr lang="bg-BG" sz="2000" dirty="0" smtClean="0"/>
+              <a:t>Да </a:t>
+            </a:r>
+            <a:r>
+              <a:rPr lang="bg-BG" sz="2000" dirty="0" smtClean="0"/>
+              <a:t>премахна извикванията на </a:t>
+            </a:r>
+            <a:r>
+              <a:rPr lang="en-US" sz="2000" dirty="0" smtClean="0"/>
+              <a:t>“</a:t>
+            </a:r>
+            <a:r>
+              <a:rPr lang="en-US" sz="2000" dirty="0" err="1" smtClean="0"/>
+              <a:t>delayMicroseconds</a:t>
+            </a:r>
+            <a:r>
+              <a:rPr lang="en-US" sz="2000" dirty="0" smtClean="0"/>
+              <a:t>” </a:t>
+            </a:r>
+            <a:r>
+              <a:rPr lang="bg-BG" sz="2000" dirty="0" smtClean="0"/>
+              <a:t>в </a:t>
+            </a:r>
+            <a:r>
+              <a:rPr lang="en-US" sz="2000" dirty="0" smtClean="0"/>
+              <a:t>I2C </a:t>
+            </a:r>
+            <a:r>
+              <a:rPr lang="bg-BG" sz="2000" smtClean="0"/>
+              <a:t>драйвера и </a:t>
+            </a:r>
+            <a:r>
+              <a:rPr lang="bg-BG" sz="2000" dirty="0" smtClean="0"/>
+              <a:t>да ги заместя с обръщения към вътрешните </a:t>
+            </a:r>
+            <a:r>
+              <a:rPr lang="bg-BG" sz="2000" dirty="0" smtClean="0"/>
+              <a:t>таймери</a:t>
+            </a:r>
+            <a:r>
+              <a:rPr lang="en-US" sz="2000" dirty="0" smtClean="0"/>
+              <a:t> </a:t>
+            </a:r>
+            <a:r>
+              <a:rPr lang="bg-BG" sz="2000" dirty="0" smtClean="0"/>
+              <a:t>( таймер 0 е добър кандидат )</a:t>
+            </a:r>
+            <a:endParaRPr lang="bg-BG" sz="2000" dirty="0" smtClean="0"/>
+          </a:p>
+          <a:p>
+            <a:r>
+              <a:rPr lang="bg-BG" sz="2000" dirty="0" smtClean="0"/>
+              <a:t>Да </a:t>
+            </a:r>
+            <a:r>
+              <a:rPr lang="bg-BG" sz="2000" dirty="0" smtClean="0"/>
+              <a:t>запоя кабел удължение на джойстика с цел да не стои потребителя наведен докато управлява </a:t>
+            </a:r>
+            <a:r>
+              <a:rPr lang="bg-BG" sz="2000" dirty="0" smtClean="0"/>
+              <a:t>количката</a:t>
+            </a:r>
+            <a:endParaRPr lang="en-US" sz="2000" dirty="0" smtClean="0"/>
+          </a:p>
+          <a:p>
+            <a:r>
+              <a:rPr lang="bg-BG" sz="2000" dirty="0" smtClean="0"/>
+              <a:t>Да </a:t>
+            </a:r>
+            <a:r>
+              <a:rPr lang="bg-BG" sz="2000" dirty="0"/>
+              <a:t>рефакторирам кода, така че да стане по-независим от конкретния хардуер, осигурявайки преносимост</a:t>
+            </a:r>
+            <a:endParaRPr lang="en-US" sz="2000" dirty="0"/>
+          </a:p>
+          <a:p>
             <a:pPr marL="0" indent="0">
               <a:buNone/>
             </a:pPr>
-            <a:r>
-              <a:rPr lang="bg-BG" dirty="0" smtClean="0"/>
-              <a:t>7. Да </a:t>
-            </a:r>
-            <a:r>
-              <a:rPr lang="bg-BG" dirty="0" smtClean="0"/>
-              <a:t>запиша на видео демонстрация на </a:t>
-            </a:r>
-            <a:r>
-              <a:rPr lang="bg-BG" dirty="0" smtClean="0"/>
-              <a:t>основните функционалности, </a:t>
-            </a:r>
-            <a:r>
-              <a:rPr lang="bg-BG" dirty="0" smtClean="0"/>
-              <a:t>за да се вижда по-добре от по-голяма аудитория</a:t>
-            </a:r>
-          </a:p>
-          <a:p>
-            <a:pPr marL="0" indent="0">
-              <a:buNone/>
-            </a:pPr>
-            <a:r>
-              <a:rPr lang="bg-BG" smtClean="0"/>
-              <a:t>8. Да </a:t>
-            </a:r>
-            <a:r>
-              <a:rPr lang="bg-BG" dirty="0" smtClean="0"/>
-              <a:t>рефакторирам кода, така че да стане по-независим от конкретния хардуер, осигурявайки </a:t>
-            </a:r>
-            <a:r>
-              <a:rPr lang="bg-BG" dirty="0" smtClean="0"/>
-              <a:t>преносимост</a:t>
-            </a:r>
-            <a:endParaRPr lang="en-US" dirty="0" smtClean="0"/>
-          </a:p>
-          <a:p>
+            <a:endParaRPr lang="en-US" sz="2000" dirty="0"/>
+          </a:p>
+        </p:txBody>
+      </p:sp>
+      <p:sp>
+        <p:nvSpPr>
+          <p:cNvPr id="4" name="Rectangle 3"/>
+          <p:cNvSpPr/>
+          <p:nvPr/>
+        </p:nvSpPr>
+        <p:spPr>
+          <a:xfrm>
+            <a:off x="838200" y="6033054"/>
+            <a:ext cx="10224052" cy="369332"/>
+          </a:xfrm>
+          <a:prstGeom prst="rect">
+            <a:avLst/>
+          </a:prstGeom>
+        </p:spPr>
+        <p:txBody>
+          <a:bodyPr wrap="square">
+            <a:spAutoFit/>
+          </a:bodyPr>
+          <a:lstStyle/>
+          <a:p>
+            <a:r>
+              <a:rPr lang="en-US" dirty="0">
+                <a:hlinkClick r:id="rId2"/>
+              </a:rPr>
+              <a:t>https://github.com/PavelKanazirev/arduino/blob/master/docs/Presentation/ProjectKosmatko.pptx</a:t>
+            </a:r>
             <a:endParaRPr lang="en-US" dirty="0"/>
-          </a:p>
-          <a:p>
-            <a:endParaRPr lang="en-US" dirty="0" smtClean="0"/>
-          </a:p>
-          <a:p>
-            <a:endParaRPr lang="en-US" dirty="0"/>
-          </a:p>
-          <a:p>
-            <a:endParaRPr lang="en-US" dirty="0" smtClean="0"/>
-          </a:p>
-          <a:p>
-            <a:pPr marL="0" indent="0">
-              <a:buNone/>
-            </a:pPr>
-            <a:endParaRPr lang="en-US" dirty="0"/>
-          </a:p>
-          <a:p>
-            <a:pPr marL="0" indent="0">
-              <a:buNone/>
-            </a:pPr>
-            <a:r>
-              <a:rPr lang="en-US" sz="1600" dirty="0">
-                <a:hlinkClick r:id="rId2"/>
-              </a:rPr>
-              <a:t>https://github.com/PavelKanazirev/arduino/blob/master/docs/Presentation/ProjectKosmatko.pptx</a:t>
-            </a:r>
-            <a:endParaRPr lang="en-US" sz="1600" dirty="0"/>
           </a:p>
         </p:txBody>
       </p:sp>
     </p:spTree>
     <p:extLst>
       <p:ext uri="{BB962C8B-B14F-4D97-AF65-F5344CB8AC3E}">
-        <p14:creationId xmlns:p14="http://schemas.microsoft.com/office/powerpoint/2010/main" val="3451061613"/>
+        <p14:creationId xmlns:p14="http://schemas.microsoft.com/office/powerpoint/2010/main" val="3205025619"/>
       </p:ext>
     </p:extLst>
   </p:cSld>

--- a/docs/Presentation/ProjectKosmatko.pptx
+++ b/docs/Presentation/ProjectKosmatko.pptx
@@ -13,6 +13,7 @@
     <p:sldId id="260" r:id="rId7"/>
     <p:sldId id="261" r:id="rId8"/>
     <p:sldId id="262" r:id="rId9"/>
+    <p:sldId id="265" r:id="rId10"/>
   </p:sldIdLst>
   <p:sldSz cx="12192000" cy="6858000"/>
   <p:notesSz cx="6858000" cy="9144000"/>
@@ -250,7 +251,7 @@
           <a:p>
             <a:fld id="{AB7DF95A-1033-46EB-A3CE-5012996A21BC}" type="datetimeFigureOut">
               <a:rPr lang="en-US" smtClean="0"/>
-              <a:t>7/24/2019</a:t>
+              <a:t>7/27/2019</a:t>
             </a:fld>
             <a:endParaRPr lang="en-US"/>
           </a:p>
@@ -420,7 +421,7 @@
           <a:p>
             <a:fld id="{AB7DF95A-1033-46EB-A3CE-5012996A21BC}" type="datetimeFigureOut">
               <a:rPr lang="en-US" smtClean="0"/>
-              <a:t>7/24/2019</a:t>
+              <a:t>7/27/2019</a:t>
             </a:fld>
             <a:endParaRPr lang="en-US"/>
           </a:p>
@@ -600,7 +601,7 @@
           <a:p>
             <a:fld id="{AB7DF95A-1033-46EB-A3CE-5012996A21BC}" type="datetimeFigureOut">
               <a:rPr lang="en-US" smtClean="0"/>
-              <a:t>7/24/2019</a:t>
+              <a:t>7/27/2019</a:t>
             </a:fld>
             <a:endParaRPr lang="en-US"/>
           </a:p>
@@ -770,7 +771,7 @@
           <a:p>
             <a:fld id="{AB7DF95A-1033-46EB-A3CE-5012996A21BC}" type="datetimeFigureOut">
               <a:rPr lang="en-US" smtClean="0"/>
-              <a:t>7/24/2019</a:t>
+              <a:t>7/27/2019</a:t>
             </a:fld>
             <a:endParaRPr lang="en-US"/>
           </a:p>
@@ -1016,7 +1017,7 @@
           <a:p>
             <a:fld id="{AB7DF95A-1033-46EB-A3CE-5012996A21BC}" type="datetimeFigureOut">
               <a:rPr lang="en-US" smtClean="0"/>
-              <a:t>7/24/2019</a:t>
+              <a:t>7/27/2019</a:t>
             </a:fld>
             <a:endParaRPr lang="en-US"/>
           </a:p>
@@ -1248,7 +1249,7 @@
           <a:p>
             <a:fld id="{AB7DF95A-1033-46EB-A3CE-5012996A21BC}" type="datetimeFigureOut">
               <a:rPr lang="en-US" smtClean="0"/>
-              <a:t>7/24/2019</a:t>
+              <a:t>7/27/2019</a:t>
             </a:fld>
             <a:endParaRPr lang="en-US"/>
           </a:p>
@@ -1615,7 +1616,7 @@
           <a:p>
             <a:fld id="{AB7DF95A-1033-46EB-A3CE-5012996A21BC}" type="datetimeFigureOut">
               <a:rPr lang="en-US" smtClean="0"/>
-              <a:t>7/24/2019</a:t>
+              <a:t>7/27/2019</a:t>
             </a:fld>
             <a:endParaRPr lang="en-US"/>
           </a:p>
@@ -1733,7 +1734,7 @@
           <a:p>
             <a:fld id="{AB7DF95A-1033-46EB-A3CE-5012996A21BC}" type="datetimeFigureOut">
               <a:rPr lang="en-US" smtClean="0"/>
-              <a:t>7/24/2019</a:t>
+              <a:t>7/27/2019</a:t>
             </a:fld>
             <a:endParaRPr lang="en-US"/>
           </a:p>
@@ -1828,7 +1829,7 @@
           <a:p>
             <a:fld id="{AB7DF95A-1033-46EB-A3CE-5012996A21BC}" type="datetimeFigureOut">
               <a:rPr lang="en-US" smtClean="0"/>
-              <a:t>7/24/2019</a:t>
+              <a:t>7/27/2019</a:t>
             </a:fld>
             <a:endParaRPr lang="en-US"/>
           </a:p>
@@ -2105,7 +2106,7 @@
           <a:p>
             <a:fld id="{AB7DF95A-1033-46EB-A3CE-5012996A21BC}" type="datetimeFigureOut">
               <a:rPr lang="en-US" smtClean="0"/>
-              <a:t>7/24/2019</a:t>
+              <a:t>7/27/2019</a:t>
             </a:fld>
             <a:endParaRPr lang="en-US"/>
           </a:p>
@@ -2358,7 +2359,7 @@
           <a:p>
             <a:fld id="{AB7DF95A-1033-46EB-A3CE-5012996A21BC}" type="datetimeFigureOut">
               <a:rPr lang="en-US" smtClean="0"/>
-              <a:t>7/24/2019</a:t>
+              <a:t>7/27/2019</a:t>
             </a:fld>
             <a:endParaRPr lang="en-US"/>
           </a:p>
@@ -2571,7 +2572,7 @@
           <a:p>
             <a:fld id="{AB7DF95A-1033-46EB-A3CE-5012996A21BC}" type="datetimeFigureOut">
               <a:rPr lang="en-US" smtClean="0"/>
-              <a:t>7/24/2019</a:t>
+              <a:t>7/27/2019</a:t>
             </a:fld>
             <a:endParaRPr lang="en-US"/>
           </a:p>
@@ -3416,7 +3417,27 @@
             </a:r>
             <a:r>
               <a:rPr lang="bg-BG" sz="2500" i="1" dirty="0"/>
-              <a:t>Цифров дисплей</a:t>
+              <a:t>Цифров </a:t>
+            </a:r>
+            <a:r>
+              <a:rPr lang="bg-BG" sz="2500" i="1" dirty="0" smtClean="0"/>
+              <a:t>дисплей</a:t>
+            </a:r>
+            <a:r>
+              <a:rPr lang="en-US" sz="2500" i="1" dirty="0" smtClean="0"/>
+              <a:t> + </a:t>
+            </a:r>
+            <a:r>
+              <a:rPr lang="bg-BG" sz="2500" i="1" dirty="0" smtClean="0"/>
+              <a:t>драйвер за </a:t>
+            </a:r>
+            <a:r>
+              <a:rPr lang="en-US" sz="2500" i="1" dirty="0" smtClean="0"/>
+              <a:t>I2C </a:t>
+            </a:r>
+            <a:r>
+              <a:rPr lang="bg-BG" sz="2500" i="1" dirty="0" smtClean="0"/>
+              <a:t>управление на дисплея</a:t>
             </a:r>
             <a:endParaRPr lang="en-US" sz="2500" dirty="0"/>
           </a:p>
@@ -3591,15 +3612,7 @@
             </a:pPr>
             <a:r>
               <a:rPr lang="bg-BG" dirty="0" smtClean="0"/>
-              <a:t>Добавен е </a:t>
-            </a:r>
-            <a:r>
-              <a:rPr lang="bg-BG" dirty="0" smtClean="0"/>
-              <a:t>бъзър </a:t>
-            </a:r>
-            <a:r>
-              <a:rPr lang="bg-BG" dirty="0" smtClean="0"/>
-              <a:t>( реагира с бипкане при натискане на бутон симулирайки клаксон )</a:t>
+              <a:t>Добавен е бъзър ( реагира с бипкане при натискане на бутон симулирайки клаксон )</a:t>
             </a:r>
           </a:p>
           <a:p>
@@ -4038,7 +4051,7 @@
         </p:nvSpPr>
         <p:spPr>
           <a:xfrm>
-            <a:off x="838200" y="365125"/>
+            <a:off x="838200" y="127619"/>
             <a:ext cx="10515600" cy="595457"/>
           </a:xfrm>
         </p:spPr>
@@ -4068,8 +4081,8 @@
         </p:nvSpPr>
         <p:spPr>
           <a:xfrm>
-            <a:off x="838200" y="960582"/>
-            <a:ext cx="10515600" cy="5216381"/>
+            <a:off x="838200" y="841828"/>
+            <a:ext cx="10515600" cy="5725226"/>
           </a:xfrm>
         </p:spPr>
         <p:txBody>
@@ -4128,14 +4141,7 @@
                 <a:latin typeface="Arial" panose="020B0604020202020204" pitchFamily="34" charset="0"/>
                 <a:cs typeface="Arial" panose="020B0604020202020204" pitchFamily="34" charset="0"/>
               </a:rPr>
-              <a:t>Намиране </a:t>
-            </a:r>
-            <a:r>
-              <a:rPr lang="bg-BG" sz="1400" dirty="0" smtClean="0">
-                <a:latin typeface="Arial" panose="020B0604020202020204" pitchFamily="34" charset="0"/>
-                <a:cs typeface="Arial" panose="020B0604020202020204" pitchFamily="34" charset="0"/>
-              </a:rPr>
-              <a:t>подходящо разпределение работата на таймера. Кога да се използва за скеджулиране и кога за </a:t>
+              <a:t>Намиране подходящо разпределение работата на таймера. Кога да се използва за скеджулиране и кога за </a:t>
             </a:r>
             <a:r>
               <a:rPr lang="en-US" sz="1400" dirty="0" err="1" smtClean="0">
@@ -4169,14 +4175,7 @@
                 <a:latin typeface="Arial" panose="020B0604020202020204" pitchFamily="34" charset="0"/>
                 <a:cs typeface="Arial" panose="020B0604020202020204" pitchFamily="34" charset="0"/>
               </a:rPr>
-              <a:t>Имплементиране </a:t>
-            </a:r>
-            <a:r>
-              <a:rPr lang="bg-BG" sz="1400" dirty="0" smtClean="0">
-                <a:latin typeface="Arial" panose="020B0604020202020204" pitchFamily="34" charset="0"/>
-                <a:cs typeface="Arial" panose="020B0604020202020204" pitchFamily="34" charset="0"/>
-              </a:rPr>
-              <a:t>на логиката за завиване. Тестване върху различни повърхности и взимане на решение за задвижване моторите на 4 скорости осигуряващи плавност на спиране и потегляне</a:t>
+              <a:t>Имплементиране на логиката за завиване. Тестване върху различни повърхности и взимане на решение за задвижване моторите на 4 скорости осигуряващи плавност на спиране и потегляне</a:t>
             </a:r>
           </a:p>
           <a:p>
@@ -4189,14 +4188,7 @@
                 <a:latin typeface="Arial" panose="020B0604020202020204" pitchFamily="34" charset="0"/>
                 <a:cs typeface="Arial" panose="020B0604020202020204" pitchFamily="34" charset="0"/>
               </a:rPr>
-              <a:t>Интегриране </a:t>
-            </a:r>
-            <a:r>
-              <a:rPr lang="bg-BG" sz="1400" dirty="0" smtClean="0">
-                <a:latin typeface="Arial" panose="020B0604020202020204" pitchFamily="34" charset="0"/>
-                <a:cs typeface="Arial" panose="020B0604020202020204" pitchFamily="34" charset="0"/>
-              </a:rPr>
-              <a:t>на сензора за измерване на разстояние и на </a:t>
+              <a:t>Интегриране на сензора за измерване на разстояние и на </a:t>
             </a:r>
             <a:r>
               <a:rPr lang="en-US" sz="1400" dirty="0" err="1" smtClean="0">
@@ -4230,14 +4222,7 @@
                 <a:latin typeface="Arial" panose="020B0604020202020204" pitchFamily="34" charset="0"/>
                 <a:cs typeface="Arial" panose="020B0604020202020204" pitchFamily="34" charset="0"/>
               </a:rPr>
-              <a:t>Купуване </a:t>
-            </a:r>
-            <a:r>
-              <a:rPr lang="bg-BG" sz="1400" dirty="0" smtClean="0">
-                <a:latin typeface="Arial" panose="020B0604020202020204" pitchFamily="34" charset="0"/>
-                <a:cs typeface="Arial" panose="020B0604020202020204" pitchFamily="34" charset="0"/>
-              </a:rPr>
-              <a:t>на „правилни“ батерии – уви не с всички </a:t>
+              <a:t>Купуване на „правилни“ батерии – уви не с всички </a:t>
             </a:r>
             <a:r>
               <a:rPr lang="en-US" sz="1400" dirty="0" smtClean="0">
@@ -4264,14 +4249,7 @@
                 <a:latin typeface="Arial" panose="020B0604020202020204" pitchFamily="34" charset="0"/>
                 <a:cs typeface="Arial" panose="020B0604020202020204" pitchFamily="34" charset="0"/>
               </a:rPr>
-              <a:t>Имплементиране </a:t>
-            </a:r>
-            <a:r>
-              <a:rPr lang="bg-BG" sz="1400" dirty="0" smtClean="0">
-                <a:latin typeface="Arial" panose="020B0604020202020204" pitchFamily="34" charset="0"/>
-                <a:cs typeface="Arial" panose="020B0604020202020204" pitchFamily="34" charset="0"/>
-              </a:rPr>
-              <a:t>на </a:t>
+              <a:t>Имплементиране на </a:t>
             </a:r>
             <a:r>
               <a:rPr lang="en-US" sz="1400" dirty="0" smtClean="0">
@@ -4298,21 +4276,7 @@
                 <a:latin typeface="Arial" panose="020B0604020202020204" pitchFamily="34" charset="0"/>
                 <a:cs typeface="Arial" panose="020B0604020202020204" pitchFamily="34" charset="0"/>
               </a:rPr>
-              <a:t>Имплементиране </a:t>
-            </a:r>
-            <a:r>
-              <a:rPr lang="bg-BG" sz="1400" dirty="0" smtClean="0">
-                <a:latin typeface="Arial" panose="020B0604020202020204" pitchFamily="34" charset="0"/>
-                <a:cs typeface="Arial" panose="020B0604020202020204" pitchFamily="34" charset="0"/>
-              </a:rPr>
-              <a:t>на детектор на колизии – състояния – тест, ок, препядствие, </a:t>
-            </a:r>
-            <a:r>
-              <a:rPr lang="bg-BG" sz="1400" dirty="0" smtClean="0">
-                <a:latin typeface="Arial" panose="020B0604020202020204" pitchFamily="34" charset="0"/>
-                <a:cs typeface="Arial" panose="020B0604020202020204" pitchFamily="34" charset="0"/>
-              </a:rPr>
-              <a:t>аларма</a:t>
+              <a:t>Имплементиране на детектор на колизии – състояния – тест, ок, препядствие, аларма</a:t>
             </a:r>
           </a:p>
           <a:p>
@@ -4327,10 +4291,6 @@
               </a:rPr>
               <a:t>Синхронизиране на клаксон и аларма ползвана при засичане на колизии – в различни режими различна функция поема контрола върху изключването</a:t>
             </a:r>
-            <a:endParaRPr lang="bg-BG" sz="1400" dirty="0" smtClean="0">
-              <a:latin typeface="Arial" panose="020B0604020202020204" pitchFamily="34" charset="0"/>
-              <a:cs typeface="Arial" panose="020B0604020202020204" pitchFamily="34" charset="0"/>
-            </a:endParaRPr>
           </a:p>
           <a:p>
             <a:pPr marL="342900" indent="-342900">
@@ -4342,14 +4302,7 @@
                 <a:latin typeface="Arial" panose="020B0604020202020204" pitchFamily="34" charset="0"/>
                 <a:cs typeface="Arial" panose="020B0604020202020204" pitchFamily="34" charset="0"/>
               </a:rPr>
-              <a:t>Проучване </a:t>
-            </a:r>
-            <a:r>
-              <a:rPr lang="bg-BG" sz="1400" dirty="0" smtClean="0">
-                <a:latin typeface="Arial" panose="020B0604020202020204" pitchFamily="34" charset="0"/>
-                <a:cs typeface="Arial" panose="020B0604020202020204" pitchFamily="34" charset="0"/>
-              </a:rPr>
-              <a:t>относно комуникация на </a:t>
+              <a:t>Проучване относно комуникация на </a:t>
             </a:r>
             <a:r>
               <a:rPr lang="en-US" sz="1400" dirty="0" smtClean="0">
@@ -4383,14 +4336,7 @@
                 <a:latin typeface="Arial" panose="020B0604020202020204" pitchFamily="34" charset="0"/>
                 <a:cs typeface="Arial" panose="020B0604020202020204" pitchFamily="34" charset="0"/>
               </a:rPr>
-              <a:t>Дизайн </a:t>
-            </a:r>
-            <a:r>
-              <a:rPr lang="bg-BG" sz="1400" dirty="0" smtClean="0">
-                <a:latin typeface="Arial" panose="020B0604020202020204" pitchFamily="34" charset="0"/>
-                <a:cs typeface="Arial" panose="020B0604020202020204" pitchFamily="34" charset="0"/>
-              </a:rPr>
-              <a:t>на изхода на екрана – какъв тип информация да покажем на потребителя и как да я разположим</a:t>
+              <a:t>Дизайн на изхода на екрана – какъв тип информация да покажем на потребителя и как да я разположим</a:t>
             </a:r>
           </a:p>
           <a:p>
@@ -4403,62 +4349,104 @@
                 <a:latin typeface="Arial" panose="020B0604020202020204" pitchFamily="34" charset="0"/>
                 <a:cs typeface="Arial" panose="020B0604020202020204" pitchFamily="34" charset="0"/>
               </a:rPr>
-              <a:t>Тест </a:t>
+              <a:t>Тест и калибрация – подходящи стойности за </a:t>
+            </a:r>
+            <a:r>
+              <a:rPr lang="en-US" sz="1400" dirty="0" smtClean="0">
+                <a:latin typeface="Arial" panose="020B0604020202020204" pitchFamily="34" charset="0"/>
+                <a:cs typeface="Arial" panose="020B0604020202020204" pitchFamily="34" charset="0"/>
+              </a:rPr>
+              <a:t>: </a:t>
+            </a:r>
+            <a:r>
+              <a:rPr lang="en-US" sz="1400" dirty="0" err="1" smtClean="0">
+                <a:latin typeface="Arial" panose="020B0604020202020204" pitchFamily="34" charset="0"/>
+                <a:cs typeface="Arial" panose="020B0604020202020204" pitchFamily="34" charset="0"/>
+              </a:rPr>
+              <a:t>pwm</a:t>
+            </a:r>
+            <a:r>
+              <a:rPr lang="en-US" sz="1400" dirty="0" smtClean="0">
+                <a:latin typeface="Arial" panose="020B0604020202020204" pitchFamily="34" charset="0"/>
+                <a:cs typeface="Arial" panose="020B0604020202020204" pitchFamily="34" charset="0"/>
+              </a:rPr>
+              <a:t> </a:t>
             </a:r>
             <a:r>
               <a:rPr lang="bg-BG" sz="1400" dirty="0" smtClean="0">
                 <a:latin typeface="Arial" panose="020B0604020202020204" pitchFamily="34" charset="0"/>
                 <a:cs typeface="Arial" panose="020B0604020202020204" pitchFamily="34" charset="0"/>
               </a:rPr>
-              <a:t>и калибрация – подходящи стойности за </a:t>
+              <a:t>при различните скорости, подходящи изчаквания и закъснения при </a:t>
             </a:r>
             <a:r>
               <a:rPr lang="en-US" sz="1400" dirty="0" smtClean="0">
                 <a:latin typeface="Arial" panose="020B0604020202020204" pitchFamily="34" charset="0"/>
                 <a:cs typeface="Arial" panose="020B0604020202020204" pitchFamily="34" charset="0"/>
               </a:rPr>
-              <a:t>: </a:t>
-            </a:r>
-            <a:r>
-              <a:rPr lang="en-US" sz="1400" dirty="0" err="1" smtClean="0">
-                <a:latin typeface="Arial" panose="020B0604020202020204" pitchFamily="34" charset="0"/>
-                <a:cs typeface="Arial" panose="020B0604020202020204" pitchFamily="34" charset="0"/>
-              </a:rPr>
-              <a:t>pwm</a:t>
+              <a:t>i2c </a:t>
+            </a:r>
+            <a:r>
+              <a:rPr lang="bg-BG" sz="1400" dirty="0" smtClean="0">
+                <a:latin typeface="Arial" panose="020B0604020202020204" pitchFamily="34" charset="0"/>
+                <a:cs typeface="Arial" panose="020B0604020202020204" pitchFamily="34" charset="0"/>
+              </a:rPr>
+              <a:t>комуникация, стойности адресирани към сензора за разстояние който да индикират риск, минимални и максимални стойности и реакция при тях</a:t>
+            </a:r>
+          </a:p>
+          <a:p>
+            <a:pPr marL="0" indent="0">
+              <a:buNone/>
+            </a:pPr>
+            <a:r>
+              <a:rPr lang="bg-BG" sz="1400" dirty="0" smtClean="0">
+                <a:latin typeface="Arial" panose="020B0604020202020204" pitchFamily="34" charset="0"/>
+                <a:cs typeface="Arial" panose="020B0604020202020204" pitchFamily="34" charset="0"/>
+              </a:rPr>
+              <a:t>25. Добавяне инициализация на </a:t>
             </a:r>
             <a:r>
               <a:rPr lang="en-US" sz="1400" dirty="0" smtClean="0">
                 <a:latin typeface="Arial" panose="020B0604020202020204" pitchFamily="34" charset="0"/>
                 <a:cs typeface="Arial" panose="020B0604020202020204" pitchFamily="34" charset="0"/>
               </a:rPr>
-              <a:t> </a:t>
+              <a:t>Timer0 </a:t>
             </a:r>
             <a:r>
               <a:rPr lang="bg-BG" sz="1400" dirty="0" smtClean="0">
                 <a:latin typeface="Arial" panose="020B0604020202020204" pitchFamily="34" charset="0"/>
                 <a:cs typeface="Arial" panose="020B0604020202020204" pitchFamily="34" charset="0"/>
               </a:rPr>
-              <a:t>при различните скорости, подходящи изчаквания и закъснения при </a:t>
+              <a:t>и премахване зависимостта от </a:t>
             </a:r>
             <a:r>
               <a:rPr lang="en-US" sz="1400" dirty="0" smtClean="0">
                 <a:latin typeface="Arial" panose="020B0604020202020204" pitchFamily="34" charset="0"/>
                 <a:cs typeface="Arial" panose="020B0604020202020204" pitchFamily="34" charset="0"/>
               </a:rPr>
-              <a:t>i2c </a:t>
+              <a:t>Arduino </a:t>
             </a:r>
             <a:r>
               <a:rPr lang="bg-BG" sz="1400" dirty="0" smtClean="0">
                 <a:latin typeface="Arial" panose="020B0604020202020204" pitchFamily="34" charset="0"/>
                 <a:cs typeface="Arial" panose="020B0604020202020204" pitchFamily="34" charset="0"/>
               </a:rPr>
-              <a:t>комуникация, стойности адресирани към сензора за разстояние който да индикират риск, минимални и максимални стойности и реакция при тях</a:t>
-            </a:r>
-          </a:p>
-          <a:p>
-            <a:pPr marL="0" indent="0">
-              <a:buNone/>
-            </a:pPr>
+              <a:t>библиотеките </a:t>
+            </a:r>
+            <a:r>
+              <a:rPr lang="en-US" sz="1400" dirty="0" smtClean="0">
+                <a:latin typeface="Arial" panose="020B0604020202020204" pitchFamily="34" charset="0"/>
+                <a:cs typeface="Arial" panose="020B0604020202020204" pitchFamily="34" charset="0"/>
+              </a:rPr>
+              <a:t>delay </a:t>
+            </a:r>
+            <a:r>
+              <a:rPr lang="bg-BG" sz="1400" dirty="0" smtClean="0">
+                <a:latin typeface="Arial" panose="020B0604020202020204" pitchFamily="34" charset="0"/>
+                <a:cs typeface="Arial" panose="020B0604020202020204" pitchFamily="34" charset="0"/>
+              </a:rPr>
+              <a:t>и т.н.</a:t>
+            </a:r>
             <a:endParaRPr lang="en-US" sz="1400" dirty="0">
               <a:latin typeface="Arial" panose="020B0604020202020204" pitchFamily="34" charset="0"/>
               <a:cs typeface="Arial" panose="020B0604020202020204" pitchFamily="34" charset="0"/>
@@ -4548,12 +4536,27 @@
           <a:p>
             <a:r>
               <a:rPr lang="bg-BG" sz="2000" dirty="0" smtClean="0"/>
-              <a:t>Да </a:t>
-            </a:r>
+              <a:t>Да кача тестовете – код и рапорт в базата, където съхранявам кода</a:t>
+            </a:r>
+          </a:p>
+          <a:p>
             <a:r>
               <a:rPr lang="bg-BG" sz="2000" dirty="0" smtClean="0"/>
-              <a:t>кача тестовете – код и рапорт в базата, където съхранявам кода</a:t>
-            </a:r>
+              <a:t>Да използвам инструмент за статичен анализ на кода, който да проверява преди качване в базата</a:t>
+            </a:r>
+          </a:p>
+          <a:p>
+            <a:r>
+              <a:rPr lang="bg-BG" sz="2000" dirty="0" smtClean="0"/>
+              <a:t>Да използвам система за юнит – тестове с цел намаляване на регресиите и подобряване качеството и по-лесната поддръжка</a:t>
+            </a:r>
+          </a:p>
+          <a:p>
+            <a:r>
+              <a:rPr lang="bg-BG" sz="2000" dirty="0" smtClean="0"/>
+              <a:t>Да запоя кабел удължение на джойстика с цел да не стои потребителя наведен докато управлява количката</a:t>
+            </a:r>
+            <a:endParaRPr lang="en-US" sz="2000" dirty="0" smtClean="0"/>
           </a:p>
           <a:p>
             <a:r>
@@ -4561,105 +4564,30 @@
               <a:t>Да </a:t>
             </a:r>
             <a:r>
+              <a:rPr lang="bg-BG" sz="2000" dirty="0"/>
+              <a:t>рефакторирам кода, така че да стане по-независим от конкретния хардуер, осигурявайки </a:t>
+            </a:r>
+            <a:r>
               <a:rPr lang="bg-BG" sz="2000" dirty="0" smtClean="0"/>
-              <a:t>използвам инструмент за статичен анализ на кода, който да проверява преди качване в базата</a:t>
+              <a:t>преносимост</a:t>
             </a:r>
           </a:p>
           <a:p>
             <a:r>
               <a:rPr lang="bg-BG" sz="2000" dirty="0" smtClean="0"/>
-              <a:t>Да </a:t>
-            </a:r>
-            <a:r>
-              <a:rPr lang="bg-BG" sz="2000" dirty="0" smtClean="0"/>
-              <a:t>използвам система за юнит – тестове с цел намаляване на регресиите и подобряване качеството и по-лесната поддръжка</a:t>
-            </a:r>
-          </a:p>
-          <a:p>
-            <a:r>
-              <a:rPr lang="bg-BG" sz="2000" dirty="0" smtClean="0"/>
-              <a:t>Да </a:t>
-            </a:r>
-            <a:r>
-              <a:rPr lang="bg-BG" sz="2000" dirty="0" smtClean="0"/>
-              <a:t>помисля за още една стъпка в посока на автономното шофиране – може ли да се имплементира блокиране на моторите в случай, че сензора е доловил близък предмет, в който ще се блъснем</a:t>
-            </a:r>
-          </a:p>
-          <a:p>
-            <a:r>
-              <a:rPr lang="bg-BG" sz="2000" dirty="0" smtClean="0"/>
-              <a:t>Да </a:t>
-            </a:r>
-            <a:r>
-              <a:rPr lang="bg-BG" sz="2000" dirty="0" smtClean="0"/>
-              <a:t>премахна извикванията на </a:t>
-            </a:r>
-            <a:r>
-              <a:rPr lang="en-US" sz="2000" dirty="0" smtClean="0"/>
-              <a:t>“</a:t>
-            </a:r>
-            <a:r>
-              <a:rPr lang="en-US" sz="2000" dirty="0" err="1" smtClean="0"/>
-              <a:t>delayMicroseconds</a:t>
-            </a:r>
-            <a:r>
-              <a:rPr lang="en-US" sz="2000" dirty="0" smtClean="0"/>
-              <a:t>” </a:t>
-            </a:r>
-            <a:r>
-              <a:rPr lang="bg-BG" sz="2000" dirty="0" smtClean="0"/>
-              <a:t>в </a:t>
-            </a:r>
-            <a:r>
-              <a:rPr lang="en-US" sz="2000" dirty="0" smtClean="0"/>
-              <a:t>I2C </a:t>
-            </a:r>
-            <a:r>
-              <a:rPr lang="bg-BG" sz="2000" smtClean="0"/>
-              <a:t>драйвера и </a:t>
-            </a:r>
-            <a:r>
-              <a:rPr lang="bg-BG" sz="2000" dirty="0" smtClean="0"/>
-              <a:t>да ги заместя с обръщения към вътрешните </a:t>
-            </a:r>
-            <a:r>
-              <a:rPr lang="bg-BG" sz="2000" dirty="0" smtClean="0"/>
-              <a:t>таймери</a:t>
-            </a:r>
-            <a:r>
-              <a:rPr lang="en-US" sz="2000" dirty="0" smtClean="0"/>
-              <a:t> </a:t>
-            </a:r>
-            <a:r>
-              <a:rPr lang="bg-BG" sz="2000" dirty="0" smtClean="0"/>
-              <a:t>( таймер 0 е добър кандидат )</a:t>
-            </a:r>
-            <a:endParaRPr lang="bg-BG" sz="2000" dirty="0" smtClean="0"/>
-          </a:p>
-          <a:p>
-            <a:r>
-              <a:rPr lang="bg-BG" sz="2000" dirty="0" smtClean="0"/>
-              <a:t>Да </a:t>
-            </a:r>
-            <a:r>
-              <a:rPr lang="bg-BG" sz="2000" dirty="0" smtClean="0"/>
-              <a:t>запоя кабел удължение на джойстика с цел да не стои потребителя наведен докато управлява </a:t>
-            </a:r>
-            <a:r>
-              <a:rPr lang="bg-BG" sz="2000" dirty="0" smtClean="0"/>
-              <a:t>количката</a:t>
-            </a:r>
-            <a:endParaRPr lang="en-US" sz="2000" dirty="0" smtClean="0"/>
-          </a:p>
-          <a:p>
-            <a:r>
-              <a:rPr lang="bg-BG" sz="2000" dirty="0" smtClean="0"/>
-              <a:t>Да </a:t>
-            </a:r>
+              <a:t>Да добавя състояние на диагностика преди позволение за задвижване на колата</a:t>
+            </a:r>
+          </a:p>
+          <a:p>
             <a:r>
               <a:rPr lang="bg-BG" sz="2000" dirty="0"/>
-              <a:t>рефакторирам кода, така че да стане по-независим от конкретния хардуер, осигурявайки преносимост</a:t>
-            </a:r>
+              <a:t>Да помисля за още една стъпка в посока на автономното шофиране – може ли да се имплементира блокиране на моторите в случай, че сензора е доловил близък предмет, в който ще се блъснем</a:t>
+            </a:r>
+          </a:p>
+          <a:p>
+            <a:pPr marL="0" indent="0">
+              <a:buNone/>
+            </a:pPr>
             <a:endParaRPr lang="en-US" sz="2000" dirty="0"/>
           </a:p>
           <a:p>
@@ -4705,6 +4633,88 @@
     <p:extLst>
       <p:ext uri="{BB962C8B-B14F-4D97-AF65-F5344CB8AC3E}">
         <p14:creationId xmlns:p14="http://schemas.microsoft.com/office/powerpoint/2010/main" val="3205025619"/>
+      </p:ext>
+    </p:extLst>
+  </p:cSld>
+  <p:clrMapOvr>
+    <a:masterClrMapping/>
+  </p:clrMapOvr>
+</p:sld>
+</file>
+
+<file path=ppt/slides/slide9.xml><?xml version="1.0" encoding="utf-8"?>
+<p:sld xmlns:a="http://schemas.openxmlformats.org/drawingml/2006/main" xmlns:r="http://schemas.openxmlformats.org/officeDocument/2006/relationships" xmlns:p="http://schemas.openxmlformats.org/presentationml/2006/main">
+  <p:cSld>
+    <p:spTree>
+      <p:nvGrpSpPr>
+        <p:cNvPr id="1" name=""/>
+        <p:cNvGrpSpPr/>
+        <p:nvPr/>
+      </p:nvGrpSpPr>
+      <p:grpSpPr>
+        <a:xfrm>
+          <a:off x="0" y="0"/>
+          <a:ext cx="0" cy="0"/>
+          <a:chOff x="0" y="0"/>
+          <a:chExt cx="0" cy="0"/>
+        </a:xfrm>
+      </p:grpSpPr>
+      <p:sp>
+        <p:nvSpPr>
+          <p:cNvPr id="2" name="Title 1"/>
+          <p:cNvSpPr>
+            <a:spLocks noGrp="1"/>
+          </p:cNvSpPr>
+          <p:nvPr>
+            <p:ph type="title"/>
+          </p:nvPr>
+        </p:nvSpPr>
+        <p:spPr/>
+        <p:txBody>
+          <a:bodyPr/>
+          <a:lstStyle/>
+          <a:p>
+            <a:r>
+              <a:rPr lang="bg-BG" dirty="0" smtClean="0"/>
+              <a:t>Кой трябва да има последната дума?</a:t>
+            </a:r>
+            <a:endParaRPr lang="en-US" dirty="0"/>
+          </a:p>
+        </p:txBody>
+      </p:sp>
+      <p:pic>
+        <p:nvPicPr>
+          <p:cNvPr id="4" name="Content Placeholder 3"/>
+          <p:cNvPicPr>
+            <a:picLocks noGrp="1" noChangeAspect="1"/>
+          </p:cNvPicPr>
+          <p:nvPr>
+            <p:ph idx="1"/>
+          </p:nvPr>
+        </p:nvPicPr>
+        <p:blipFill>
+          <a:blip r:embed="rId2">
+            <a:extLst>
+              <a:ext uri="{28A0092B-C50C-407E-A947-70E740481C1C}">
+                <a14:useLocalDpi xmlns:a14="http://schemas.microsoft.com/office/drawing/2010/main" val="0"/>
+              </a:ext>
+            </a:extLst>
+          </a:blip>
+          <a:stretch>
+            <a:fillRect/>
+          </a:stretch>
+        </p:blipFill>
+        <p:spPr>
+          <a:xfrm>
+            <a:off x="1637678" y="2210344"/>
+            <a:ext cx="8916644" cy="3581900"/>
+          </a:xfrm>
+        </p:spPr>
+      </p:pic>
+    </p:spTree>
+    <p:extLst>
+      <p:ext uri="{BB962C8B-B14F-4D97-AF65-F5344CB8AC3E}">
+        <p14:creationId xmlns:p14="http://schemas.microsoft.com/office/powerpoint/2010/main" val="3820289297"/>
       </p:ext>
     </p:extLst>
   </p:cSld>
